--- a/Assignment on oops.pptx
+++ b/Assignment on oops.pptx
@@ -9,18 +9,15 @@
     <p:sldId id="257" r:id="rId3"/>
     <p:sldId id="258" r:id="rId4"/>
     <p:sldId id="259" r:id="rId5"/>
-    <p:sldId id="269" r:id="rId6"/>
-    <p:sldId id="260" r:id="rId7"/>
-    <p:sldId id="261" r:id="rId8"/>
-    <p:sldId id="262" r:id="rId9"/>
-    <p:sldId id="263" r:id="rId10"/>
-    <p:sldId id="264" r:id="rId11"/>
-    <p:sldId id="265" r:id="rId12"/>
-    <p:sldId id="266" r:id="rId13"/>
-    <p:sldId id="267" r:id="rId14"/>
-    <p:sldId id="270" r:id="rId15"/>
-    <p:sldId id="271" r:id="rId16"/>
-    <p:sldId id="268" r:id="rId17"/>
+    <p:sldId id="260" r:id="rId6"/>
+    <p:sldId id="261" r:id="rId7"/>
+    <p:sldId id="262" r:id="rId8"/>
+    <p:sldId id="263" r:id="rId9"/>
+    <p:sldId id="264" r:id="rId10"/>
+    <p:sldId id="265" r:id="rId11"/>
+    <p:sldId id="266" r:id="rId12"/>
+    <p:sldId id="267" r:id="rId13"/>
+    <p:sldId id="268" r:id="rId14"/>
   </p:sldIdLst>
   <p:sldSz cx="12192000" cy="6858000"/>
   <p:notesSz cx="6858000" cy="9144000"/>
@@ -130,7 +127,7 @@
 <file path=ppt/revisionInfo.xml><?xml version="1.0" encoding="utf-8"?>
 <p1510:revInfo xmlns:a="http://schemas.openxmlformats.org/drawingml/2006/main" xmlns:r="http://schemas.openxmlformats.org/officeDocument/2006/relationships" xmlns:p1510="http://schemas.microsoft.com/office/powerpoint/2015/10/main">
   <p1510:revLst>
-    <p1510:client id="{2F6DEE28-B309-40CF-9979-7E8B078D320F}" v="68" dt="2023-01-23T09:25:10.541"/>
+    <p1510:client id="{2F6DEE28-B309-40CF-9979-7E8B078D320F}" v="66" dt="2023-01-18T18:31:08.948"/>
   </p1510:revLst>
 </p1510:revInfo>
 </file>
@@ -140,7 +137,7 @@
   <pc:docChgLst>
     <pc:chgData name="lakshminagareshma5555@gmail.com" userId="fb8f383b856d19fc" providerId="LiveId" clId="{2F6DEE28-B309-40CF-9979-7E8B078D320F}"/>
     <pc:docChg chg="undo custSel addSld delSld modSld">
-      <pc:chgData name="lakshminagareshma5555@gmail.com" userId="fb8f383b856d19fc" providerId="LiveId" clId="{2F6DEE28-B309-40CF-9979-7E8B078D320F}" dt="2023-01-23T09:48:45.303" v="2125" actId="27636"/>
+      <pc:chgData name="lakshminagareshma5555@gmail.com" userId="fb8f383b856d19fc" providerId="LiveId" clId="{2F6DEE28-B309-40CF-9979-7E8B078D320F}" dt="2023-01-18T18:31:08.947" v="1344"/>
       <pc:docMkLst>
         <pc:docMk/>
       </pc:docMkLst>
@@ -223,13 +220,13 @@
         </pc:spChg>
       </pc:sldChg>
       <pc:sldChg chg="modSp new mod modTransition">
-        <pc:chgData name="lakshminagareshma5555@gmail.com" userId="fb8f383b856d19fc" providerId="LiveId" clId="{2F6DEE28-B309-40CF-9979-7E8B078D320F}" dt="2023-01-23T09:27:21.439" v="2100" actId="27636"/>
+        <pc:chgData name="lakshminagareshma5555@gmail.com" userId="fb8f383b856d19fc" providerId="LiveId" clId="{2F6DEE28-B309-40CF-9979-7E8B078D320F}" dt="2023-01-18T18:11:08.641" v="1300"/>
         <pc:sldMkLst>
           <pc:docMk/>
           <pc:sldMk cId="3267366513" sldId="258"/>
         </pc:sldMkLst>
         <pc:spChg chg="mod">
-          <ac:chgData name="lakshminagareshma5555@gmail.com" userId="fb8f383b856d19fc" providerId="LiveId" clId="{2F6DEE28-B309-40CF-9979-7E8B078D320F}" dt="2023-01-23T09:26:35.671" v="2082" actId="1076"/>
+          <ac:chgData name="lakshminagareshma5555@gmail.com" userId="fb8f383b856d19fc" providerId="LiveId" clId="{2F6DEE28-B309-40CF-9979-7E8B078D320F}" dt="2023-01-18T16:33:31.615" v="281" actId="1076"/>
           <ac:spMkLst>
             <pc:docMk/>
             <pc:sldMk cId="3267366513" sldId="258"/>
@@ -237,7 +234,7 @@
           </ac:spMkLst>
         </pc:spChg>
         <pc:spChg chg="mod">
-          <ac:chgData name="lakshminagareshma5555@gmail.com" userId="fb8f383b856d19fc" providerId="LiveId" clId="{2F6DEE28-B309-40CF-9979-7E8B078D320F}" dt="2023-01-23T09:27:21.439" v="2100" actId="27636"/>
+          <ac:chgData name="lakshminagareshma5555@gmail.com" userId="fb8f383b856d19fc" providerId="LiveId" clId="{2F6DEE28-B309-40CF-9979-7E8B078D320F}" dt="2023-01-18T16:33:58.406" v="282"/>
           <ac:spMkLst>
             <pc:docMk/>
             <pc:sldMk cId="3267366513" sldId="258"/>
@@ -246,7 +243,7 @@
         </pc:spChg>
       </pc:sldChg>
       <pc:sldChg chg="modSp new mod modTransition">
-        <pc:chgData name="lakshminagareshma5555@gmail.com" userId="fb8f383b856d19fc" providerId="LiveId" clId="{2F6DEE28-B309-40CF-9979-7E8B078D320F}" dt="2023-01-23T09:48:45.303" v="2125" actId="27636"/>
+        <pc:chgData name="lakshminagareshma5555@gmail.com" userId="fb8f383b856d19fc" providerId="LiveId" clId="{2F6DEE28-B309-40CF-9979-7E8B078D320F}" dt="2023-01-18T18:28:12.590" v="1336"/>
         <pc:sldMkLst>
           <pc:docMk/>
           <pc:sldMk cId="3018434982" sldId="259"/>
@@ -260,7 +257,7 @@
           </ac:spMkLst>
         </pc:spChg>
         <pc:spChg chg="mod">
-          <ac:chgData name="lakshminagareshma5555@gmail.com" userId="fb8f383b856d19fc" providerId="LiveId" clId="{2F6DEE28-B309-40CF-9979-7E8B078D320F}" dt="2023-01-23T09:48:45.303" v="2125" actId="27636"/>
+          <ac:chgData name="lakshminagareshma5555@gmail.com" userId="fb8f383b856d19fc" providerId="LiveId" clId="{2F6DEE28-B309-40CF-9979-7E8B078D320F}" dt="2023-01-18T16:36:40.898" v="289" actId="27636"/>
           <ac:spMkLst>
             <pc:docMk/>
             <pc:sldMk cId="3018434982" sldId="259"/>
@@ -299,7 +296,7 @@
         </pc:picChg>
       </pc:sldChg>
       <pc:sldChg chg="addSp modSp new mod modTransition">
-        <pc:chgData name="lakshminagareshma5555@gmail.com" userId="fb8f383b856d19fc" providerId="LiveId" clId="{2F6DEE28-B309-40CF-9979-7E8B078D320F}" dt="2023-01-23T08:54:21.662" v="1660" actId="1076"/>
+        <pc:chgData name="lakshminagareshma5555@gmail.com" userId="fb8f383b856d19fc" providerId="LiveId" clId="{2F6DEE28-B309-40CF-9979-7E8B078D320F}" dt="2023-01-18T18:30:57.989" v="1343"/>
         <pc:sldMkLst>
           <pc:docMk/>
           <pc:sldMk cId="2004483960" sldId="261"/>
@@ -321,7 +318,7 @@
           </ac:spMkLst>
         </pc:spChg>
         <pc:picChg chg="add mod">
-          <ac:chgData name="lakshminagareshma5555@gmail.com" userId="fb8f383b856d19fc" providerId="LiveId" clId="{2F6DEE28-B309-40CF-9979-7E8B078D320F}" dt="2023-01-23T08:54:21.662" v="1660" actId="1076"/>
+          <ac:chgData name="lakshminagareshma5555@gmail.com" userId="fb8f383b856d19fc" providerId="LiveId" clId="{2F6DEE28-B309-40CF-9979-7E8B078D320F}" dt="2023-01-18T16:51:45.699" v="596" actId="1076"/>
           <ac:picMkLst>
             <pc:docMk/>
             <pc:sldMk cId="2004483960" sldId="261"/>
@@ -361,7 +358,7 @@
         </pc:picChg>
       </pc:sldChg>
       <pc:sldChg chg="addSp delSp modSp new mod modTransition">
-        <pc:chgData name="lakshminagareshma5555@gmail.com" userId="fb8f383b856d19fc" providerId="LiveId" clId="{2F6DEE28-B309-40CF-9979-7E8B078D320F}" dt="2023-01-23T09:34:06.843" v="2109" actId="1076"/>
+        <pc:chgData name="lakshminagareshma5555@gmail.com" userId="fb8f383b856d19fc" providerId="LiveId" clId="{2F6DEE28-B309-40CF-9979-7E8B078D320F}" dt="2023-01-18T18:23:26.657" v="1323"/>
         <pc:sldMkLst>
           <pc:docMk/>
           <pc:sldMk cId="3849842838" sldId="263"/>
@@ -383,7 +380,7 @@
           </ac:spMkLst>
         </pc:spChg>
         <pc:picChg chg="add mod">
-          <ac:chgData name="lakshminagareshma5555@gmail.com" userId="fb8f383b856d19fc" providerId="LiveId" clId="{2F6DEE28-B309-40CF-9979-7E8B078D320F}" dt="2023-01-23T09:34:06.843" v="2109" actId="1076"/>
+          <ac:chgData name="lakshminagareshma5555@gmail.com" userId="fb8f383b856d19fc" providerId="LiveId" clId="{2F6DEE28-B309-40CF-9979-7E8B078D320F}" dt="2023-01-18T17:37:50.328" v="930" actId="1076"/>
           <ac:picMkLst>
             <pc:docMk/>
             <pc:sldMk cId="3849842838" sldId="263"/>
@@ -400,7 +397,7 @@
         </pc:picChg>
       </pc:sldChg>
       <pc:sldChg chg="addSp delSp modSp new mod modTransition">
-        <pc:chgData name="lakshminagareshma5555@gmail.com" userId="fb8f383b856d19fc" providerId="LiveId" clId="{2F6DEE28-B309-40CF-9979-7E8B078D320F}" dt="2023-01-23T09:33:44.147" v="2107" actId="1076"/>
+        <pc:chgData name="lakshminagareshma5555@gmail.com" userId="fb8f383b856d19fc" providerId="LiveId" clId="{2F6DEE28-B309-40CF-9979-7E8B078D320F}" dt="2023-01-18T18:23:45.718" v="1324"/>
         <pc:sldMkLst>
           <pc:docMk/>
           <pc:sldMk cId="1983288649" sldId="264"/>
@@ -421,20 +418,12 @@
             <ac:spMk id="3" creationId="{6B33ED1D-A3A5-9CAA-EE54-F5EF60D209B9}"/>
           </ac:spMkLst>
         </pc:spChg>
-        <pc:picChg chg="add del mod">
-          <ac:chgData name="lakshminagareshma5555@gmail.com" userId="fb8f383b856d19fc" providerId="LiveId" clId="{2F6DEE28-B309-40CF-9979-7E8B078D320F}" dt="2023-01-23T09:33:25.572" v="2104" actId="478"/>
+        <pc:picChg chg="add mod">
+          <ac:chgData name="lakshminagareshma5555@gmail.com" userId="fb8f383b856d19fc" providerId="LiveId" clId="{2F6DEE28-B309-40CF-9979-7E8B078D320F}" dt="2023-01-18T17:40:21.462" v="986" actId="1076"/>
           <ac:picMkLst>
             <pc:docMk/>
             <pc:sldMk cId="1983288649" sldId="264"/>
             <ac:picMk id="4" creationId="{0D13BB12-0FA6-1037-1CB8-2E4CB4EFFCE7}"/>
-          </ac:picMkLst>
-        </pc:picChg>
-        <pc:picChg chg="add mod">
-          <ac:chgData name="lakshminagareshma5555@gmail.com" userId="fb8f383b856d19fc" providerId="LiveId" clId="{2F6DEE28-B309-40CF-9979-7E8B078D320F}" dt="2023-01-23T09:33:44.147" v="2107" actId="1076"/>
-          <ac:picMkLst>
-            <pc:docMk/>
-            <pc:sldMk cId="1983288649" sldId="264"/>
-            <ac:picMk id="5" creationId="{44378978-23D6-DBDC-E676-3EF8DA86E1B6}"/>
           </ac:picMkLst>
         </pc:picChg>
       </pc:sldChg>
@@ -548,7 +537,7 @@
         </pc:picChg>
       </pc:sldChg>
       <pc:sldChg chg="addSp modSp new mod modTransition">
-        <pc:chgData name="lakshminagareshma5555@gmail.com" userId="fb8f383b856d19fc" providerId="LiveId" clId="{2F6DEE28-B309-40CF-9979-7E8B078D320F}" dt="2023-01-23T09:20:51.885" v="2000" actId="20577"/>
+        <pc:chgData name="lakshminagareshma5555@gmail.com" userId="fb8f383b856d19fc" providerId="LiveId" clId="{2F6DEE28-B309-40CF-9979-7E8B078D320F}" dt="2023-01-18T18:25:08.437" v="1333"/>
         <pc:sldMkLst>
           <pc:docMk/>
           <pc:sldMk cId="459590061" sldId="267"/>
@@ -562,7 +551,7 @@
           </ac:spMkLst>
         </pc:spChg>
         <pc:spChg chg="mod">
-          <ac:chgData name="lakshminagareshma5555@gmail.com" userId="fb8f383b856d19fc" providerId="LiveId" clId="{2F6DEE28-B309-40CF-9979-7E8B078D320F}" dt="2023-01-23T09:20:51.885" v="2000" actId="20577"/>
+          <ac:chgData name="lakshminagareshma5555@gmail.com" userId="fb8f383b856d19fc" providerId="LiveId" clId="{2F6DEE28-B309-40CF-9979-7E8B078D320F}" dt="2023-01-18T17:58:44.452" v="1243"/>
           <ac:spMkLst>
             <pc:docMk/>
             <pc:sldMk cId="459590061" sldId="267"/>
@@ -608,74 +597,6 @@
             <ac:inkMk id="4" creationId="{3A0313BC-6FF7-88C5-51EB-9D0A4672749A}"/>
           </ac:inkMkLst>
         </pc:inkChg>
-      </pc:sldChg>
-      <pc:sldChg chg="addSp modSp new mod">
-        <pc:chgData name="lakshminagareshma5555@gmail.com" userId="fb8f383b856d19fc" providerId="LiveId" clId="{2F6DEE28-B309-40CF-9979-7E8B078D320F}" dt="2023-01-23T08:49:58.988" v="1659" actId="14100"/>
-        <pc:sldMkLst>
-          <pc:docMk/>
-          <pc:sldMk cId="669882206" sldId="269"/>
-        </pc:sldMkLst>
-        <pc:spChg chg="add mod">
-          <ac:chgData name="lakshminagareshma5555@gmail.com" userId="fb8f383b856d19fc" providerId="LiveId" clId="{2F6DEE28-B309-40CF-9979-7E8B078D320F}" dt="2023-01-23T08:49:58.988" v="1659" actId="14100"/>
-          <ac:spMkLst>
-            <pc:docMk/>
-            <pc:sldMk cId="669882206" sldId="269"/>
-            <ac:spMk id="2" creationId="{5D6EBE82-E3D0-7BEE-5395-39FD9FF5B642}"/>
-          </ac:spMkLst>
-        </pc:spChg>
-      </pc:sldChg>
-      <pc:sldChg chg="new del">
-        <pc:chgData name="lakshminagareshma5555@gmail.com" userId="fb8f383b856d19fc" providerId="LiveId" clId="{2F6DEE28-B309-40CF-9979-7E8B078D320F}" dt="2023-01-23T08:45:33.654" v="1475" actId="47"/>
-        <pc:sldMkLst>
-          <pc:docMk/>
-          <pc:sldMk cId="1725365389" sldId="269"/>
-        </pc:sldMkLst>
-      </pc:sldChg>
-      <pc:sldChg chg="modSp new mod">
-        <pc:chgData name="lakshminagareshma5555@gmail.com" userId="fb8f383b856d19fc" providerId="LiveId" clId="{2F6DEE28-B309-40CF-9979-7E8B078D320F}" dt="2023-01-23T09:15:20.309" v="1987" actId="20577"/>
-        <pc:sldMkLst>
-          <pc:docMk/>
-          <pc:sldMk cId="3815560556" sldId="270"/>
-        </pc:sldMkLst>
-        <pc:spChg chg="mod">
-          <ac:chgData name="lakshminagareshma5555@gmail.com" userId="fb8f383b856d19fc" providerId="LiveId" clId="{2F6DEE28-B309-40CF-9979-7E8B078D320F}" dt="2023-01-23T09:15:20.309" v="1987" actId="20577"/>
-          <ac:spMkLst>
-            <pc:docMk/>
-            <pc:sldMk cId="3815560556" sldId="270"/>
-            <ac:spMk id="2" creationId="{BDF109F1-D8B7-84EC-5DBB-E1C18BB2C47B}"/>
-          </ac:spMkLst>
-        </pc:spChg>
-        <pc:spChg chg="mod">
-          <ac:chgData name="lakshminagareshma5555@gmail.com" userId="fb8f383b856d19fc" providerId="LiveId" clId="{2F6DEE28-B309-40CF-9979-7E8B078D320F}" dt="2023-01-23T09:15:02.738" v="1984" actId="1076"/>
-          <ac:spMkLst>
-            <pc:docMk/>
-            <pc:sldMk cId="3815560556" sldId="270"/>
-            <ac:spMk id="3" creationId="{C2B8A86C-BD05-E59D-474F-D1081EECDD08}"/>
-          </ac:spMkLst>
-        </pc:spChg>
-      </pc:sldChg>
-      <pc:sldChg chg="modSp new mod">
-        <pc:chgData name="lakshminagareshma5555@gmail.com" userId="fb8f383b856d19fc" providerId="LiveId" clId="{2F6DEE28-B309-40CF-9979-7E8B078D320F}" dt="2023-01-23T09:13:21.975" v="1975"/>
-        <pc:sldMkLst>
-          <pc:docMk/>
-          <pc:sldMk cId="3166972704" sldId="271"/>
-        </pc:sldMkLst>
-        <pc:spChg chg="mod">
-          <ac:chgData name="lakshminagareshma5555@gmail.com" userId="fb8f383b856d19fc" providerId="LiveId" clId="{2F6DEE28-B309-40CF-9979-7E8B078D320F}" dt="2023-01-23T09:12:46.396" v="1974" actId="20577"/>
-          <ac:spMkLst>
-            <pc:docMk/>
-            <pc:sldMk cId="3166972704" sldId="271"/>
-            <ac:spMk id="2" creationId="{25A78696-C082-9ECF-C4F1-A7AD8ED2DE43}"/>
-          </ac:spMkLst>
-        </pc:spChg>
-        <pc:spChg chg="mod">
-          <ac:chgData name="lakshminagareshma5555@gmail.com" userId="fb8f383b856d19fc" providerId="LiveId" clId="{2F6DEE28-B309-40CF-9979-7E8B078D320F}" dt="2023-01-23T09:13:21.975" v="1975"/>
-          <ac:spMkLst>
-            <pc:docMk/>
-            <pc:sldMk cId="3166972704" sldId="271"/>
-            <ac:spMk id="3" creationId="{9CC2CD04-6C79-099A-F4A4-DAC2D9FFD93D}"/>
-          </ac:spMkLst>
-        </pc:spChg>
       </pc:sldChg>
     </pc:docChg>
   </pc:docChgLst>
@@ -849,7 +770,7 @@
           <a:p>
             <a:fld id="{48A87A34-81AB-432B-8DAE-1953F412C126}" type="datetimeFigureOut">
               <a:rPr lang="en-US" dirty="0"/>
-              <a:t>1/23/2023</a:t>
+              <a:t>1/18/2023</a:t>
             </a:fld>
             <a:endParaRPr lang="en-US" dirty="0"/>
           </a:p>
@@ -1055,7 +976,7 @@
           <a:p>
             <a:fld id="{48A87A34-81AB-432B-8DAE-1953F412C126}" type="datetimeFigureOut">
               <a:rPr lang="en-US" dirty="0"/>
-              <a:t>1/23/2023</a:t>
+              <a:t>1/18/2023</a:t>
             </a:fld>
             <a:endParaRPr lang="en-US" dirty="0"/>
           </a:p>
@@ -1265,7 +1186,7 @@
           <a:p>
             <a:fld id="{48A87A34-81AB-432B-8DAE-1953F412C126}" type="datetimeFigureOut">
               <a:rPr lang="en-US" dirty="0"/>
-              <a:t>1/23/2023</a:t>
+              <a:t>1/18/2023</a:t>
             </a:fld>
             <a:endParaRPr lang="en-US" dirty="0"/>
           </a:p>
@@ -1461,7 +1382,7 @@
           <a:p>
             <a:fld id="{48A87A34-81AB-432B-8DAE-1953F412C126}" type="datetimeFigureOut">
               <a:rPr lang="en-US" dirty="0"/>
-              <a:t>1/23/2023</a:t>
+              <a:t>1/18/2023</a:t>
             </a:fld>
             <a:endParaRPr lang="en-US" dirty="0"/>
           </a:p>
@@ -1735,7 +1656,7 @@
           <a:p>
             <a:fld id="{48A87A34-81AB-432B-8DAE-1953F412C126}" type="datetimeFigureOut">
               <a:rPr lang="en-US" dirty="0"/>
-              <a:t>1/23/2023</a:t>
+              <a:t>1/18/2023</a:t>
             </a:fld>
             <a:endParaRPr lang="en-US" dirty="0"/>
           </a:p>
@@ -1998,7 +1919,7 @@
           <a:p>
             <a:fld id="{48A87A34-81AB-432B-8DAE-1953F412C126}" type="datetimeFigureOut">
               <a:rPr lang="en-US" dirty="0"/>
-              <a:t>1/23/2023</a:t>
+              <a:t>1/18/2023</a:t>
             </a:fld>
             <a:endParaRPr lang="en-US" dirty="0"/>
           </a:p>
@@ -2409,7 +2330,7 @@
           <a:p>
             <a:fld id="{48A87A34-81AB-432B-8DAE-1953F412C126}" type="datetimeFigureOut">
               <a:rPr lang="en-US" dirty="0"/>
-              <a:t>1/23/2023</a:t>
+              <a:t>1/18/2023</a:t>
             </a:fld>
             <a:endParaRPr lang="en-US" dirty="0"/>
           </a:p>
@@ -2553,7 +2474,7 @@
           <a:p>
             <a:fld id="{48A87A34-81AB-432B-8DAE-1953F412C126}" type="datetimeFigureOut">
               <a:rPr lang="en-US" dirty="0"/>
-              <a:t>1/23/2023</a:t>
+              <a:t>1/18/2023</a:t>
             </a:fld>
             <a:endParaRPr lang="en-US" dirty="0"/>
           </a:p>
@@ -2674,7 +2595,7 @@
           <a:p>
             <a:fld id="{48A87A34-81AB-432B-8DAE-1953F412C126}" type="datetimeFigureOut">
               <a:rPr lang="en-US" dirty="0"/>
-              <a:t>1/23/2023</a:t>
+              <a:t>1/18/2023</a:t>
             </a:fld>
             <a:endParaRPr lang="en-US" dirty="0"/>
           </a:p>
@@ -2920,7 +2841,7 @@
           <a:p>
             <a:fld id="{48A87A34-81AB-432B-8DAE-1953F412C126}" type="datetimeFigureOut">
               <a:rPr lang="en-US" dirty="0"/>
-              <a:t>1/23/2023</a:t>
+              <a:t>1/18/2023</a:t>
             </a:fld>
             <a:endParaRPr lang="en-US" dirty="0"/>
           </a:p>
@@ -3361,7 +3282,7 @@
             <a:fld id="{48A87A34-81AB-432B-8DAE-1953F412C126}" type="datetimeFigureOut">
               <a:rPr lang="en-US" dirty="0"/>
               <a:pPr/>
-              <a:t>1/23/2023</a:t>
+              <a:t>1/18/2023</a:t>
             </a:fld>
             <a:endParaRPr lang="en-US" dirty="0"/>
           </a:p>
@@ -3684,7 +3605,7 @@
             <a:fld id="{48A87A34-81AB-432B-8DAE-1953F412C126}" type="datetimeFigureOut">
               <a:rPr lang="en-US" dirty="0"/>
               <a:pPr/>
-              <a:t>1/23/2023</a:t>
+              <a:t>1/18/2023</a:t>
             </a:fld>
             <a:endParaRPr lang="en-US" dirty="0"/>
           </a:p>
@@ -4309,13 +4230,13 @@
   <p:clrMapOvr>
     <a:masterClrMapping/>
   </p:clrMapOvr>
-  <mc:AlternateContent xmlns:mc="http://schemas.openxmlformats.org/markup-compatibility/2006" xmlns:p15="http://schemas.microsoft.com/office/powerpoint/2012/main">
-    <mc:Choice Requires="p15">
+  <mc:AlternateContent xmlns:mc="http://schemas.openxmlformats.org/markup-compatibility/2006">
+    <mc:Choice xmlns:p15="http://schemas.microsoft.com/office/powerpoint/2012/main" Requires="p15">
       <p:transition xmlns:p14="http://schemas.microsoft.com/office/powerpoint/2010/main" spd="slow" p14:dur="6000">
         <p15:prstTrans prst="curtains"/>
       </p:transition>
     </mc:Choice>
-    <mc:Fallback xmlns="">
+    <mc:Fallback>
       <p:transition spd="slow">
         <p:fade/>
       </p:transition>
@@ -4813,10 +4734,38 @@
       </p:grpSpPr>
       <p:sp>
         <p:nvSpPr>
+          <p:cNvPr id="2" name="Title 1">
+            <a:extLst>
+              <a:ext uri="{FF2B5EF4-FFF2-40B4-BE49-F238E27FC236}">
+                <a16:creationId xmlns:a16="http://schemas.microsoft.com/office/drawing/2014/main" id="{5DA2BEEB-308B-108D-55A4-A274A0637AC1}"/>
+              </a:ext>
+            </a:extLst>
+          </p:cNvPr>
+          <p:cNvSpPr>
+            <a:spLocks noGrp="1"/>
+          </p:cNvSpPr>
+          <p:nvPr>
+            <p:ph type="title"/>
+          </p:nvPr>
+        </p:nvSpPr>
+        <p:spPr/>
+        <p:txBody>
+          <a:bodyPr/>
+          <a:lstStyle/>
+          <a:p>
+            <a:r>
+              <a:rPr lang="en-IN" dirty="0"/>
+              <a:t>INHERITANCE</a:t>
+            </a:r>
+          </a:p>
+        </p:txBody>
+      </p:sp>
+      <p:sp>
+        <p:nvSpPr>
           <p:cNvPr id="3" name="Content Placeholder 2">
             <a:extLst>
               <a:ext uri="{FF2B5EF4-FFF2-40B4-BE49-F238E27FC236}">
-                <a16:creationId xmlns:a16="http://schemas.microsoft.com/office/drawing/2014/main" id="{6B33ED1D-A3A5-9CAA-EE54-F5EF60D209B9}"/>
+                <a16:creationId xmlns:a16="http://schemas.microsoft.com/office/drawing/2014/main" id="{4173ABAF-DBC6-6CDF-FA30-6D195760785B}"/>
               </a:ext>
             </a:extLst>
           </p:cNvPr>
@@ -4829,61 +4778,89 @@
         </p:nvSpPr>
         <p:spPr>
           <a:xfrm>
-            <a:off x="1122293" y="792480"/>
-            <a:ext cx="9947414" cy="4450345"/>
-          </a:xfrm>
-        </p:spPr>
-        <p:txBody>
-          <a:bodyPr/>
-          <a:lstStyle/>
-          <a:p>
-            <a:endParaRPr lang="en-IN" dirty="0"/>
-          </a:p>
-          <a:p>
-            <a:pPr marL="0" indent="0">
-              <a:buNone/>
+            <a:off x="792480" y="2125613"/>
+            <a:ext cx="11937999" cy="3927868"/>
+          </a:xfrm>
+        </p:spPr>
+        <p:txBody>
+          <a:bodyPr>
+            <a:normAutofit lnSpcReduction="10000"/>
+          </a:bodyPr>
+          <a:lstStyle/>
+          <a:p>
+            <a:pPr>
+              <a:lnSpc>
+                <a:spcPct val="150000"/>
+              </a:lnSpc>
             </a:pPr>
             <a:r>
-              <a:rPr lang="en-IN" sz="2800" dirty="0"/>
-              <a:t>                              ABSTRACTION</a:t>
-            </a:r>
-          </a:p>
-        </p:txBody>
-      </p:sp>
-      <p:pic>
-        <p:nvPicPr>
-          <p:cNvPr id="5" name="Picture 4">
-            <a:extLst>
-              <a:ext uri="{FF2B5EF4-FFF2-40B4-BE49-F238E27FC236}">
-                <a16:creationId xmlns:a16="http://schemas.microsoft.com/office/drawing/2014/main" id="{44378978-23D6-DBDC-E676-3EF8DA86E1B6}"/>
-              </a:ext>
-            </a:extLst>
-          </p:cNvPr>
-          <p:cNvPicPr>
-            <a:picLocks noChangeAspect="1"/>
-          </p:cNvPicPr>
-          <p:nvPr/>
-        </p:nvPicPr>
-        <p:blipFill>
-          <a:blip r:embed="rId2"/>
-          <a:stretch>
-            <a:fillRect/>
-          </a:stretch>
-        </p:blipFill>
-        <p:spPr>
-          <a:xfrm>
-            <a:off x="2164080" y="792480"/>
-            <a:ext cx="8213694" cy="5407690"/>
-          </a:xfrm>
-          <a:prstGeom prst="rect">
-            <a:avLst/>
-          </a:prstGeom>
-        </p:spPr>
-      </p:pic>
+              <a:rPr lang="en-GB" sz="2000" i="0" dirty="0">
+                <a:effectLst/>
+                <a:latin typeface="Times New Roman" panose="02020603050405020304" pitchFamily="18" charset="0"/>
+                <a:cs typeface="Times New Roman" panose="02020603050405020304" pitchFamily="18" charset="0"/>
+              </a:rPr>
+              <a:t>Inheritance in Java is a concept that acquires the properties from one class to other classes; for example, the relationship between father and son. </a:t>
+            </a:r>
+          </a:p>
+          <a:p>
+            <a:pPr>
+              <a:lnSpc>
+                <a:spcPct val="150000"/>
+              </a:lnSpc>
+            </a:pPr>
+            <a:r>
+              <a:rPr lang="en-GB" sz="2000" i="0" dirty="0">
+                <a:effectLst/>
+                <a:latin typeface="Times New Roman" panose="02020603050405020304" pitchFamily="18" charset="0"/>
+                <a:cs typeface="Times New Roman" panose="02020603050405020304" pitchFamily="18" charset="0"/>
+              </a:rPr>
+              <a:t>Inheritance in Java is a process of acquiring all the behaviours of a parent object.</a:t>
+            </a:r>
+            <a:endParaRPr lang="en-IN" sz="2000" dirty="0">
+              <a:latin typeface="Times New Roman" panose="02020603050405020304" pitchFamily="18" charset="0"/>
+              <a:cs typeface="Times New Roman" panose="02020603050405020304" pitchFamily="18" charset="0"/>
+            </a:endParaRPr>
+          </a:p>
+          <a:p>
+            <a:r>
+              <a:rPr lang="en-IN" dirty="0"/>
+              <a:t>Single inheritance</a:t>
+            </a:r>
+          </a:p>
+          <a:p>
+            <a:r>
+              <a:rPr lang="en-IN" dirty="0"/>
+              <a:t>Multiple inheritance</a:t>
+            </a:r>
+          </a:p>
+          <a:p>
+            <a:r>
+              <a:rPr lang="en-IN" dirty="0"/>
+              <a:t>Multilevel inheritance</a:t>
+            </a:r>
+          </a:p>
+          <a:p>
+            <a:r>
+              <a:rPr lang="en-IN" dirty="0" err="1"/>
+              <a:t>Hierrarchial</a:t>
+            </a:r>
+            <a:r>
+              <a:rPr lang="en-IN" dirty="0"/>
+              <a:t> inheritance</a:t>
+            </a:r>
+          </a:p>
+          <a:p>
+            <a:r>
+              <a:rPr lang="en-IN" dirty="0"/>
+              <a:t>Hybrid inheritance</a:t>
+            </a:r>
+          </a:p>
+        </p:txBody>
+      </p:sp>
     </p:spTree>
     <p:extLst>
       <p:ext uri="{BB962C8B-B14F-4D97-AF65-F5344CB8AC3E}">
-        <p14:creationId xmlns:p14="http://schemas.microsoft.com/office/powerpoint/2010/main" val="1983288649"/>
+        <p14:creationId xmlns:p14="http://schemas.microsoft.com/office/powerpoint/2010/main" val="528295854"/>
       </p:ext>
     </p:extLst>
   </p:cSld>
@@ -4915,125 +4892,354 @@
       </p:grpSpPr>
       <p:sp>
         <p:nvSpPr>
-          <p:cNvPr id="2" name="Title 1">
+          <p:cNvPr id="3" name="TextBox 2">
             <a:extLst>
               <a:ext uri="{FF2B5EF4-FFF2-40B4-BE49-F238E27FC236}">
-                <a16:creationId xmlns:a16="http://schemas.microsoft.com/office/drawing/2014/main" id="{5DA2BEEB-308B-108D-55A4-A274A0637AC1}"/>
+                <a16:creationId xmlns:a16="http://schemas.microsoft.com/office/drawing/2014/main" id="{0151E562-DFC5-E18E-0617-ECFF81610DB2}"/>
               </a:ext>
             </a:extLst>
           </p:cNvPr>
-          <p:cNvSpPr>
-            <a:spLocks noGrp="1"/>
-          </p:cNvSpPr>
-          <p:nvPr>
-            <p:ph type="title"/>
-          </p:nvPr>
-        </p:nvSpPr>
-        <p:spPr/>
-        <p:txBody>
-          <a:bodyPr/>
-          <a:lstStyle/>
-          <a:p>
-            <a:r>
-              <a:rPr lang="en-IN" dirty="0"/>
-              <a:t>INHERITANCE</a:t>
-            </a:r>
-          </a:p>
-        </p:txBody>
-      </p:sp>
-      <p:sp>
-        <p:nvSpPr>
-          <p:cNvPr id="3" name="Content Placeholder 2">
-            <a:extLst>
-              <a:ext uri="{FF2B5EF4-FFF2-40B4-BE49-F238E27FC236}">
-                <a16:creationId xmlns:a16="http://schemas.microsoft.com/office/drawing/2014/main" id="{4173ABAF-DBC6-6CDF-FA30-6D195760785B}"/>
-              </a:ext>
-            </a:extLst>
-          </p:cNvPr>
-          <p:cNvSpPr>
-            <a:spLocks noGrp="1"/>
-          </p:cNvSpPr>
-          <p:nvPr>
-            <p:ph idx="1"/>
-          </p:nvPr>
-        </p:nvSpPr>
-        <p:spPr>
-          <a:xfrm>
-            <a:off x="792480" y="2125613"/>
-            <a:ext cx="11937999" cy="3927868"/>
-          </a:xfrm>
-        </p:spPr>
-        <p:txBody>
-          <a:bodyPr>
-            <a:normAutofit lnSpcReduction="10000"/>
+          <p:cNvSpPr txBox="1"/>
+          <p:nvPr/>
+        </p:nvSpPr>
+        <p:spPr>
+          <a:xfrm>
+            <a:off x="129540" y="84380"/>
+            <a:ext cx="6101080" cy="646331"/>
+          </a:xfrm>
+          <a:prstGeom prst="rect">
+            <a:avLst/>
+          </a:prstGeom>
+          <a:noFill/>
+        </p:spPr>
+        <p:txBody>
+          <a:bodyPr wrap="square">
+            <a:spAutoFit/>
           </a:bodyPr>
           <a:lstStyle/>
           <a:p>
-            <a:pPr>
-              <a:lnSpc>
-                <a:spcPct val="150000"/>
-              </a:lnSpc>
-            </a:pPr>
-            <a:r>
-              <a:rPr lang="en-GB" sz="2000" i="0" dirty="0">
+            <a:r>
+              <a:rPr lang="en-GB" b="1" i="0" dirty="0">
                 <a:effectLst/>
                 <a:latin typeface="Times New Roman" panose="02020603050405020304" pitchFamily="18" charset="0"/>
                 <a:cs typeface="Times New Roman" panose="02020603050405020304" pitchFamily="18" charset="0"/>
               </a:rPr>
-              <a:t>Inheritance in Java is a concept that acquires the properties from one class to other classes; for example, the relationship between father and son. </a:t>
-            </a:r>
-          </a:p>
-          <a:p>
-            <a:pPr>
-              <a:lnSpc>
-                <a:spcPct val="150000"/>
-              </a:lnSpc>
-            </a:pPr>
-            <a:r>
-              <a:rPr lang="en-GB" sz="2000" i="0" dirty="0">
+              <a:t>Single inheritance.</a:t>
+            </a:r>
+            <a:br>
+              <a:rPr lang="en-GB" b="0" i="0" dirty="0">
+                <a:solidFill>
+                  <a:srgbClr val="BDC1C6"/>
+                </a:solidFill>
+                <a:effectLst/>
+                <a:latin typeface="arial" panose="020B0604020202020204" pitchFamily="34" charset="0"/>
+              </a:rPr>
+            </a:br>
+            <a:endParaRPr lang="en-IN" dirty="0"/>
+          </a:p>
+        </p:txBody>
+      </p:sp>
+      <p:pic>
+        <p:nvPicPr>
+          <p:cNvPr id="4" name="Content Placeholder 4">
+            <a:extLst>
+              <a:ext uri="{FF2B5EF4-FFF2-40B4-BE49-F238E27FC236}">
+                <a16:creationId xmlns:a16="http://schemas.microsoft.com/office/drawing/2014/main" id="{3F5158A5-4741-859B-6827-FEEE83F83F6A}"/>
+              </a:ext>
+            </a:extLst>
+          </p:cNvPr>
+          <p:cNvPicPr>
+            <a:picLocks noChangeAspect="1"/>
+          </p:cNvPicPr>
+          <p:nvPr/>
+        </p:nvPicPr>
+        <p:blipFill>
+          <a:blip r:embed="rId2"/>
+          <a:stretch>
+            <a:fillRect/>
+          </a:stretch>
+        </p:blipFill>
+        <p:spPr>
+          <a:xfrm>
+            <a:off x="129540" y="554062"/>
+            <a:ext cx="3253292" cy="2423035"/>
+          </a:xfrm>
+          <a:prstGeom prst="rect">
+            <a:avLst/>
+          </a:prstGeom>
+        </p:spPr>
+      </p:pic>
+      <p:sp>
+        <p:nvSpPr>
+          <p:cNvPr id="6" name="TextBox 5">
+            <a:extLst>
+              <a:ext uri="{FF2B5EF4-FFF2-40B4-BE49-F238E27FC236}">
+                <a16:creationId xmlns:a16="http://schemas.microsoft.com/office/drawing/2014/main" id="{18B89C10-0353-5984-4102-A5DD2E8131BA}"/>
+              </a:ext>
+            </a:extLst>
+          </p:cNvPr>
+          <p:cNvSpPr txBox="1"/>
+          <p:nvPr/>
+        </p:nvSpPr>
+        <p:spPr>
+          <a:xfrm>
+            <a:off x="8079740" y="31990"/>
+            <a:ext cx="6101080" cy="369332"/>
+          </a:xfrm>
+          <a:prstGeom prst="rect">
+            <a:avLst/>
+          </a:prstGeom>
+          <a:noFill/>
+        </p:spPr>
+        <p:txBody>
+          <a:bodyPr wrap="square">
+            <a:spAutoFit/>
+          </a:bodyPr>
+          <a:lstStyle/>
+          <a:p>
+            <a:r>
+              <a:rPr lang="en-GB" b="1" i="0" dirty="0">
                 <a:effectLst/>
                 <a:latin typeface="Times New Roman" panose="02020603050405020304" pitchFamily="18" charset="0"/>
                 <a:cs typeface="Times New Roman" panose="02020603050405020304" pitchFamily="18" charset="0"/>
               </a:rPr>
-              <a:t>Inheritance in Java is a process of acquiring all the behaviours of a parent object.</a:t>
-            </a:r>
-            <a:endParaRPr lang="en-IN" sz="2000" dirty="0">
-              <a:latin typeface="Times New Roman" panose="02020603050405020304" pitchFamily="18" charset="0"/>
-              <a:cs typeface="Times New Roman" panose="02020603050405020304" pitchFamily="18" charset="0"/>
-            </a:endParaRPr>
+              <a:t>Multi-level inheritance</a:t>
+            </a:r>
+            <a:endParaRPr lang="en-IN" dirty="0"/>
+          </a:p>
+        </p:txBody>
+      </p:sp>
+      <p:pic>
+        <p:nvPicPr>
+          <p:cNvPr id="7" name="Content Placeholder 4">
+            <a:extLst>
+              <a:ext uri="{FF2B5EF4-FFF2-40B4-BE49-F238E27FC236}">
+                <a16:creationId xmlns:a16="http://schemas.microsoft.com/office/drawing/2014/main" id="{BCF938F0-14FE-F29D-5EDB-956608A69505}"/>
+              </a:ext>
+            </a:extLst>
+          </p:cNvPr>
+          <p:cNvPicPr>
+            <a:picLocks noChangeAspect="1"/>
+          </p:cNvPicPr>
+          <p:nvPr/>
+        </p:nvPicPr>
+        <p:blipFill>
+          <a:blip r:embed="rId3"/>
+          <a:stretch>
+            <a:fillRect/>
+          </a:stretch>
+        </p:blipFill>
+        <p:spPr>
+          <a:xfrm>
+            <a:off x="7467600" y="401322"/>
+            <a:ext cx="3738880" cy="2489200"/>
+          </a:xfrm>
+          <a:prstGeom prst="rect">
+            <a:avLst/>
+          </a:prstGeom>
+        </p:spPr>
+      </p:pic>
+      <p:sp>
+        <p:nvSpPr>
+          <p:cNvPr id="9" name="TextBox 8">
+            <a:extLst>
+              <a:ext uri="{FF2B5EF4-FFF2-40B4-BE49-F238E27FC236}">
+                <a16:creationId xmlns:a16="http://schemas.microsoft.com/office/drawing/2014/main" id="{67F3D188-B4B3-64E0-EFB0-6F774C579BA7}"/>
+              </a:ext>
+            </a:extLst>
+          </p:cNvPr>
+          <p:cNvSpPr txBox="1"/>
+          <p:nvPr/>
+        </p:nvSpPr>
+        <p:spPr>
+          <a:xfrm>
+            <a:off x="177576" y="3051909"/>
+            <a:ext cx="5262880" cy="646331"/>
+          </a:xfrm>
+          <a:prstGeom prst="rect">
+            <a:avLst/>
+          </a:prstGeom>
+          <a:noFill/>
+        </p:spPr>
+        <p:txBody>
+          <a:bodyPr wrap="square">
+            <a:spAutoFit/>
+          </a:bodyPr>
+          <a:lstStyle/>
+          <a:p>
+            <a:r>
+              <a:rPr lang="en-GB" b="1" i="0" dirty="0">
+                <a:effectLst/>
+                <a:latin typeface="Times New Roman" panose="02020603050405020304" pitchFamily="18" charset="0"/>
+                <a:cs typeface="Times New Roman" panose="02020603050405020304" pitchFamily="18" charset="0"/>
+              </a:rPr>
+              <a:t>Hierarchical Inheritance.</a:t>
+            </a:r>
+            <a:br>
+              <a:rPr lang="en-GB" b="0" i="0" dirty="0">
+                <a:solidFill>
+                  <a:srgbClr val="BDC1C6"/>
+                </a:solidFill>
+                <a:effectLst/>
+                <a:latin typeface="arial" panose="020B0604020202020204" pitchFamily="34" charset="0"/>
+              </a:rPr>
+            </a:br>
+            <a:endParaRPr lang="en-IN" dirty="0"/>
+          </a:p>
+        </p:txBody>
+      </p:sp>
+      <p:pic>
+        <p:nvPicPr>
+          <p:cNvPr id="10" name="Content Placeholder 4">
+            <a:extLst>
+              <a:ext uri="{FF2B5EF4-FFF2-40B4-BE49-F238E27FC236}">
+                <a16:creationId xmlns:a16="http://schemas.microsoft.com/office/drawing/2014/main" id="{28B0D34B-43F6-F5DB-D4FE-4C211482ACE7}"/>
+              </a:ext>
+            </a:extLst>
+          </p:cNvPr>
+          <p:cNvPicPr>
+            <a:picLocks noChangeAspect="1"/>
+          </p:cNvPicPr>
+          <p:nvPr/>
+        </p:nvPicPr>
+        <p:blipFill>
+          <a:blip r:embed="rId4"/>
+          <a:stretch>
+            <a:fillRect/>
+          </a:stretch>
+        </p:blipFill>
+        <p:spPr>
+          <a:xfrm>
+            <a:off x="129540" y="3446779"/>
+            <a:ext cx="3537772" cy="2777415"/>
+          </a:xfrm>
+          <a:prstGeom prst="rect">
+            <a:avLst/>
+          </a:prstGeom>
+        </p:spPr>
+      </p:pic>
+      <p:sp>
+        <p:nvSpPr>
+          <p:cNvPr id="12" name="TextBox 11">
+            <a:extLst>
+              <a:ext uri="{FF2B5EF4-FFF2-40B4-BE49-F238E27FC236}">
+                <a16:creationId xmlns:a16="http://schemas.microsoft.com/office/drawing/2014/main" id="{C0D622B2-44B2-94CB-4EE5-99ADD99313AB}"/>
+              </a:ext>
+            </a:extLst>
+          </p:cNvPr>
+          <p:cNvSpPr txBox="1"/>
+          <p:nvPr/>
+        </p:nvSpPr>
+        <p:spPr>
+          <a:xfrm>
+            <a:off x="8219441" y="2890522"/>
+            <a:ext cx="7193280" cy="369332"/>
+          </a:xfrm>
+          <a:prstGeom prst="rect">
+            <a:avLst/>
+          </a:prstGeom>
+          <a:noFill/>
+        </p:spPr>
+        <p:txBody>
+          <a:bodyPr wrap="square">
+            <a:spAutoFit/>
+          </a:bodyPr>
+          <a:lstStyle/>
+          <a:p>
+            <a:r>
+              <a:rPr lang="en-GB" b="1" i="0" dirty="0">
+                <a:effectLst/>
+                <a:latin typeface="Times New Roman" panose="02020603050405020304" pitchFamily="18" charset="0"/>
+                <a:cs typeface="Times New Roman" panose="02020603050405020304" pitchFamily="18" charset="0"/>
+              </a:rPr>
+              <a:t>Hybrid Inheritance</a:t>
+            </a:r>
+            <a:endParaRPr lang="en-IN" dirty="0"/>
+          </a:p>
+        </p:txBody>
+      </p:sp>
+      <p:pic>
+        <p:nvPicPr>
+          <p:cNvPr id="13" name="Content Placeholder 4">
+            <a:extLst>
+              <a:ext uri="{FF2B5EF4-FFF2-40B4-BE49-F238E27FC236}">
+                <a16:creationId xmlns:a16="http://schemas.microsoft.com/office/drawing/2014/main" id="{3CE8D95A-1466-7BF6-C426-35650087BAE3}"/>
+              </a:ext>
+            </a:extLst>
+          </p:cNvPr>
+          <p:cNvPicPr>
+            <a:picLocks noChangeAspect="1"/>
+          </p:cNvPicPr>
+          <p:nvPr/>
+        </p:nvPicPr>
+        <p:blipFill>
+          <a:blip r:embed="rId5"/>
+          <a:stretch>
+            <a:fillRect/>
+          </a:stretch>
+        </p:blipFill>
+        <p:spPr>
+          <a:xfrm>
+            <a:off x="7447942" y="3250864"/>
+            <a:ext cx="4368139" cy="2844313"/>
+          </a:xfrm>
+          <a:prstGeom prst="rect">
+            <a:avLst/>
+          </a:prstGeom>
+        </p:spPr>
+      </p:pic>
+      <p:sp>
+        <p:nvSpPr>
+          <p:cNvPr id="14" name="TextBox 13">
+            <a:extLst>
+              <a:ext uri="{FF2B5EF4-FFF2-40B4-BE49-F238E27FC236}">
+                <a16:creationId xmlns:a16="http://schemas.microsoft.com/office/drawing/2014/main" id="{872DDA83-2D7F-CA9D-510E-31C00B0B9A4E}"/>
+              </a:ext>
+            </a:extLst>
+          </p:cNvPr>
+          <p:cNvSpPr txBox="1"/>
+          <p:nvPr/>
+        </p:nvSpPr>
+        <p:spPr>
+          <a:xfrm>
+            <a:off x="3974653" y="1823095"/>
+            <a:ext cx="2981961" cy="1631216"/>
+          </a:xfrm>
+          <a:prstGeom prst="rect">
+            <a:avLst/>
+          </a:prstGeom>
+          <a:noFill/>
+        </p:spPr>
+        <p:txBody>
+          <a:bodyPr wrap="square" rtlCol="0">
+            <a:spAutoFit/>
+          </a:bodyPr>
+          <a:lstStyle/>
+          <a:p>
+            <a:r>
+              <a:rPr lang="en-IN" sz="2800" dirty="0"/>
+              <a:t>NOTE</a:t>
+            </a:r>
+          </a:p>
+          <a:p>
+            <a:endParaRPr lang="en-IN" dirty="0"/>
           </a:p>
           <a:p>
             <a:r>
               <a:rPr lang="en-IN" dirty="0"/>
-              <a:t>Single inheritance</a:t>
+              <a:t>JAVA DOES NOT </a:t>
             </a:r>
           </a:p>
           <a:p>
             <a:r>
               <a:rPr lang="en-IN" dirty="0"/>
-              <a:t>Multiple inheritance</a:t>
+              <a:t>SUPPORT </a:t>
             </a:r>
           </a:p>
           <a:p>
             <a:r>
               <a:rPr lang="en-IN" dirty="0"/>
-              <a:t>Multilevel inheritance</a:t>
-            </a:r>
-          </a:p>
-          <a:p>
-            <a:r>
-              <a:rPr lang="en-IN" dirty="0" err="1"/>
-              <a:t>Hierrarchial</a:t>
-            </a:r>
-            <a:r>
-              <a:rPr lang="en-IN" dirty="0"/>
-              <a:t> inheritance</a:t>
-            </a:r>
-          </a:p>
-          <a:p>
-            <a:r>
-              <a:rPr lang="en-IN" dirty="0"/>
-              <a:t>Hybrid inheritance</a:t>
+              <a:t>MULTIPLE INHERITANCE</a:t>
             </a:r>
           </a:p>
         </p:txBody>
@@ -5041,16 +5247,25 @@
     </p:spTree>
     <p:extLst>
       <p:ext uri="{BB962C8B-B14F-4D97-AF65-F5344CB8AC3E}">
-        <p14:creationId xmlns:p14="http://schemas.microsoft.com/office/powerpoint/2010/main" val="528295854"/>
+        <p14:creationId xmlns:p14="http://schemas.microsoft.com/office/powerpoint/2010/main" val="3686389010"/>
       </p:ext>
     </p:extLst>
   </p:cSld>
   <p:clrMapOvr>
     <a:masterClrMapping/>
   </p:clrMapOvr>
-  <p:transition spd="slow">
-    <p:cover/>
-  </p:transition>
+  <mc:AlternateContent xmlns:mc="http://schemas.openxmlformats.org/markup-compatibility/2006">
+    <mc:Choice xmlns:p14="http://schemas.microsoft.com/office/powerpoint/2010/main" Requires="p14">
+      <p:transition spd="slow" p14:dur="1250">
+        <p14:switch dir="r"/>
+      </p:transition>
+    </mc:Choice>
+    <mc:Fallback>
+      <p:transition spd="slow">
+        <p:fade/>
+      </p:transition>
+    </mc:Fallback>
+  </mc:AlternateContent>
 </p:sld>
 </file>
 
@@ -5073,59 +5288,138 @@
       </p:grpSpPr>
       <p:sp>
         <p:nvSpPr>
-          <p:cNvPr id="3" name="TextBox 2">
+          <p:cNvPr id="2" name="Title 1">
             <a:extLst>
               <a:ext uri="{FF2B5EF4-FFF2-40B4-BE49-F238E27FC236}">
-                <a16:creationId xmlns:a16="http://schemas.microsoft.com/office/drawing/2014/main" id="{0151E562-DFC5-E18E-0617-ECFF81610DB2}"/>
+                <a16:creationId xmlns:a16="http://schemas.microsoft.com/office/drawing/2014/main" id="{E1CD3C18-69DA-77AD-FD76-7DFE06ADE8BB}"/>
               </a:ext>
             </a:extLst>
           </p:cNvPr>
-          <p:cNvSpPr txBox="1"/>
-          <p:nvPr/>
-        </p:nvSpPr>
-        <p:spPr>
-          <a:xfrm>
-            <a:off x="129540" y="84380"/>
-            <a:ext cx="6101080" cy="646331"/>
-          </a:xfrm>
-          <a:prstGeom prst="rect">
-            <a:avLst/>
-          </a:prstGeom>
-          <a:noFill/>
-        </p:spPr>
-        <p:txBody>
-          <a:bodyPr wrap="square">
-            <a:spAutoFit/>
-          </a:bodyPr>
-          <a:lstStyle/>
-          <a:p>
-            <a:r>
-              <a:rPr lang="en-GB" b="1" i="0" dirty="0">
-                <a:effectLst/>
+          <p:cNvSpPr>
+            <a:spLocks noGrp="1"/>
+          </p:cNvSpPr>
+          <p:nvPr>
+            <p:ph type="title"/>
+          </p:nvPr>
+        </p:nvSpPr>
+        <p:spPr/>
+        <p:txBody>
+          <a:bodyPr/>
+          <a:lstStyle/>
+          <a:p>
+            <a:r>
+              <a:rPr lang="en-GB" b="1" dirty="0">
                 <a:latin typeface="Times New Roman" panose="02020603050405020304" pitchFamily="18" charset="0"/>
                 <a:cs typeface="Times New Roman" panose="02020603050405020304" pitchFamily="18" charset="0"/>
               </a:rPr>
-              <a:t>Single inheritance.</a:t>
-            </a:r>
-            <a:br>
-              <a:rPr lang="en-GB" b="0" i="0" dirty="0">
-                <a:solidFill>
-                  <a:srgbClr val="BDC1C6"/>
-                </a:solidFill>
-                <a:effectLst/>
-                <a:latin typeface="arial" panose="020B0604020202020204" pitchFamily="34" charset="0"/>
+              <a:t>Polymorphism</a:t>
+            </a:r>
+            <a:endParaRPr lang="en-IN" dirty="0"/>
+          </a:p>
+        </p:txBody>
+      </p:sp>
+      <p:sp>
+        <p:nvSpPr>
+          <p:cNvPr id="3" name="Content Placeholder 2">
+            <a:extLst>
+              <a:ext uri="{FF2B5EF4-FFF2-40B4-BE49-F238E27FC236}">
+                <a16:creationId xmlns:a16="http://schemas.microsoft.com/office/drawing/2014/main" id="{B61193D9-4388-DD6C-D34F-712C851C51F2}"/>
+              </a:ext>
+            </a:extLst>
+          </p:cNvPr>
+          <p:cNvSpPr>
+            <a:spLocks noGrp="1"/>
+          </p:cNvSpPr>
+          <p:nvPr>
+            <p:ph idx="1"/>
+          </p:nvPr>
+        </p:nvSpPr>
+        <p:spPr>
+          <a:xfrm>
+            <a:off x="335281" y="1853754"/>
+            <a:ext cx="10719574" cy="3612591"/>
+          </a:xfrm>
+        </p:spPr>
+        <p:txBody>
+          <a:bodyPr/>
+          <a:lstStyle/>
+          <a:p>
+            <a:pPr marL="0" indent="0">
+              <a:lnSpc>
+                <a:spcPct val="150000"/>
+              </a:lnSpc>
+              <a:buNone/>
+            </a:pPr>
+            <a:r>
+              <a:rPr lang="en-GB" sz="2000" dirty="0">
+                <a:latin typeface="Times New Roman" panose="02020603050405020304" pitchFamily="18" charset="0"/>
+                <a:cs typeface="Times New Roman" panose="02020603050405020304" pitchFamily="18" charset="0"/>
               </a:rPr>
-            </a:br>
+              <a:t>Polymorphism means having many forms. In simple words, we can define polymorphism as the ability of a message to be displayed in more than one form.</a:t>
+            </a:r>
+          </a:p>
+          <a:p>
+            <a:pPr marL="0" indent="0">
+              <a:lnSpc>
+                <a:spcPct val="150000"/>
+              </a:lnSpc>
+              <a:buNone/>
+            </a:pPr>
+            <a:r>
+              <a:rPr lang="en-IN" sz="2000" b="1" dirty="0">
+                <a:latin typeface="Times New Roman" panose="02020603050405020304" pitchFamily="18" charset="0"/>
+                <a:cs typeface="Times New Roman" panose="02020603050405020304" pitchFamily="18" charset="0"/>
+              </a:rPr>
+              <a:t>In Java polymorphism is mainly divided into two types:</a:t>
+            </a:r>
+            <a:endParaRPr lang="en-IN" sz="2000" dirty="0">
+              <a:latin typeface="Times New Roman" panose="02020603050405020304" pitchFamily="18" charset="0"/>
+              <a:cs typeface="Times New Roman" panose="02020603050405020304" pitchFamily="18" charset="0"/>
+            </a:endParaRPr>
+          </a:p>
+          <a:p>
+            <a:pPr marL="342900" indent="-342900">
+              <a:lnSpc>
+                <a:spcPct val="150000"/>
+              </a:lnSpc>
+              <a:buFont typeface="+mj-lt"/>
+              <a:buAutoNum type="arabicPeriod"/>
+            </a:pPr>
+            <a:r>
+              <a:rPr lang="en-IN" sz="2000" dirty="0">
+                <a:latin typeface="Times New Roman" panose="02020603050405020304" pitchFamily="18" charset="0"/>
+                <a:cs typeface="Times New Roman" panose="02020603050405020304" pitchFamily="18" charset="0"/>
+              </a:rPr>
+              <a:t>Compile-time Polymorphism(Method overloading/Static binding)</a:t>
+            </a:r>
+          </a:p>
+          <a:p>
+            <a:pPr marL="342900" indent="-342900">
+              <a:lnSpc>
+                <a:spcPct val="150000"/>
+              </a:lnSpc>
+              <a:buFont typeface="+mj-lt"/>
+              <a:buAutoNum type="arabicPeriod"/>
+            </a:pPr>
+            <a:r>
+              <a:rPr lang="en-IN" sz="2000" dirty="0">
+                <a:latin typeface="Times New Roman" panose="02020603050405020304" pitchFamily="18" charset="0"/>
+                <a:cs typeface="Times New Roman" panose="02020603050405020304" pitchFamily="18" charset="0"/>
+              </a:rPr>
+              <a:t>Runtime Polymorphism(Method overriding/Dynamic binding)</a:t>
+            </a:r>
+          </a:p>
+          <a:p>
             <a:endParaRPr lang="en-IN" dirty="0"/>
           </a:p>
         </p:txBody>
       </p:sp>
       <p:pic>
         <p:nvPicPr>
-          <p:cNvPr id="4" name="Content Placeholder 4">
+          <p:cNvPr id="4" name="Picture 3">
             <a:extLst>
               <a:ext uri="{FF2B5EF4-FFF2-40B4-BE49-F238E27FC236}">
-                <a16:creationId xmlns:a16="http://schemas.microsoft.com/office/drawing/2014/main" id="{3F5158A5-4741-859B-6827-FEEE83F83F6A}"/>
+                <a16:creationId xmlns:a16="http://schemas.microsoft.com/office/drawing/2014/main" id="{703C3FBF-2FBD-99B9-CA71-803E7FC08573}"/>
               </a:ext>
             </a:extLst>
           </p:cNvPr>
@@ -5142,306 +5436,31 @@
         </p:blipFill>
         <p:spPr>
           <a:xfrm>
-            <a:off x="129540" y="554062"/>
-            <a:ext cx="3253292" cy="2423035"/>
+            <a:off x="7796007" y="2599311"/>
+            <a:ext cx="3953435" cy="3916269"/>
           </a:xfrm>
           <a:prstGeom prst="rect">
             <a:avLst/>
           </a:prstGeom>
         </p:spPr>
       </p:pic>
-      <p:sp>
-        <p:nvSpPr>
-          <p:cNvPr id="6" name="TextBox 5">
-            <a:extLst>
-              <a:ext uri="{FF2B5EF4-FFF2-40B4-BE49-F238E27FC236}">
-                <a16:creationId xmlns:a16="http://schemas.microsoft.com/office/drawing/2014/main" id="{18B89C10-0353-5984-4102-A5DD2E8131BA}"/>
-              </a:ext>
-            </a:extLst>
-          </p:cNvPr>
-          <p:cNvSpPr txBox="1"/>
-          <p:nvPr/>
-        </p:nvSpPr>
-        <p:spPr>
-          <a:xfrm>
-            <a:off x="8079740" y="31990"/>
-            <a:ext cx="6101080" cy="369332"/>
-          </a:xfrm>
-          <a:prstGeom prst="rect">
-            <a:avLst/>
-          </a:prstGeom>
-          <a:noFill/>
-        </p:spPr>
-        <p:txBody>
-          <a:bodyPr wrap="square">
-            <a:spAutoFit/>
-          </a:bodyPr>
-          <a:lstStyle/>
-          <a:p>
-            <a:r>
-              <a:rPr lang="en-GB" b="1" i="0" dirty="0">
-                <a:effectLst/>
-                <a:latin typeface="Times New Roman" panose="02020603050405020304" pitchFamily="18" charset="0"/>
-                <a:cs typeface="Times New Roman" panose="02020603050405020304" pitchFamily="18" charset="0"/>
-              </a:rPr>
-              <a:t>Multi-level inheritance</a:t>
-            </a:r>
-            <a:endParaRPr lang="en-IN" dirty="0"/>
-          </a:p>
-        </p:txBody>
-      </p:sp>
-      <p:pic>
-        <p:nvPicPr>
-          <p:cNvPr id="7" name="Content Placeholder 4">
-            <a:extLst>
-              <a:ext uri="{FF2B5EF4-FFF2-40B4-BE49-F238E27FC236}">
-                <a16:creationId xmlns:a16="http://schemas.microsoft.com/office/drawing/2014/main" id="{BCF938F0-14FE-F29D-5EDB-956608A69505}"/>
-              </a:ext>
-            </a:extLst>
-          </p:cNvPr>
-          <p:cNvPicPr>
-            <a:picLocks noChangeAspect="1"/>
-          </p:cNvPicPr>
-          <p:nvPr/>
-        </p:nvPicPr>
-        <p:blipFill>
-          <a:blip r:embed="rId3"/>
-          <a:stretch>
-            <a:fillRect/>
-          </a:stretch>
-        </p:blipFill>
-        <p:spPr>
-          <a:xfrm>
-            <a:off x="7467600" y="401322"/>
-            <a:ext cx="3738880" cy="2489200"/>
-          </a:xfrm>
-          <a:prstGeom prst="rect">
-            <a:avLst/>
-          </a:prstGeom>
-        </p:spPr>
-      </p:pic>
-      <p:sp>
-        <p:nvSpPr>
-          <p:cNvPr id="9" name="TextBox 8">
-            <a:extLst>
-              <a:ext uri="{FF2B5EF4-FFF2-40B4-BE49-F238E27FC236}">
-                <a16:creationId xmlns:a16="http://schemas.microsoft.com/office/drawing/2014/main" id="{67F3D188-B4B3-64E0-EFB0-6F774C579BA7}"/>
-              </a:ext>
-            </a:extLst>
-          </p:cNvPr>
-          <p:cNvSpPr txBox="1"/>
-          <p:nvPr/>
-        </p:nvSpPr>
-        <p:spPr>
-          <a:xfrm>
-            <a:off x="177576" y="3051909"/>
-            <a:ext cx="5262880" cy="646331"/>
-          </a:xfrm>
-          <a:prstGeom prst="rect">
-            <a:avLst/>
-          </a:prstGeom>
-          <a:noFill/>
-        </p:spPr>
-        <p:txBody>
-          <a:bodyPr wrap="square">
-            <a:spAutoFit/>
-          </a:bodyPr>
-          <a:lstStyle/>
-          <a:p>
-            <a:r>
-              <a:rPr lang="en-GB" b="1" i="0" dirty="0">
-                <a:effectLst/>
-                <a:latin typeface="Times New Roman" panose="02020603050405020304" pitchFamily="18" charset="0"/>
-                <a:cs typeface="Times New Roman" panose="02020603050405020304" pitchFamily="18" charset="0"/>
-              </a:rPr>
-              <a:t>Hierarchical Inheritance.</a:t>
-            </a:r>
-            <a:br>
-              <a:rPr lang="en-GB" b="0" i="0" dirty="0">
-                <a:solidFill>
-                  <a:srgbClr val="BDC1C6"/>
-                </a:solidFill>
-                <a:effectLst/>
-                <a:latin typeface="arial" panose="020B0604020202020204" pitchFamily="34" charset="0"/>
-              </a:rPr>
-            </a:br>
-            <a:endParaRPr lang="en-IN" dirty="0"/>
-          </a:p>
-        </p:txBody>
-      </p:sp>
-      <p:pic>
-        <p:nvPicPr>
-          <p:cNvPr id="10" name="Content Placeholder 4">
-            <a:extLst>
-              <a:ext uri="{FF2B5EF4-FFF2-40B4-BE49-F238E27FC236}">
-                <a16:creationId xmlns:a16="http://schemas.microsoft.com/office/drawing/2014/main" id="{28B0D34B-43F6-F5DB-D4FE-4C211482ACE7}"/>
-              </a:ext>
-            </a:extLst>
-          </p:cNvPr>
-          <p:cNvPicPr>
-            <a:picLocks noChangeAspect="1"/>
-          </p:cNvPicPr>
-          <p:nvPr/>
-        </p:nvPicPr>
-        <p:blipFill>
-          <a:blip r:embed="rId4"/>
-          <a:stretch>
-            <a:fillRect/>
-          </a:stretch>
-        </p:blipFill>
-        <p:spPr>
-          <a:xfrm>
-            <a:off x="129540" y="3446779"/>
-            <a:ext cx="3537772" cy="2777415"/>
-          </a:xfrm>
-          <a:prstGeom prst="rect">
-            <a:avLst/>
-          </a:prstGeom>
-        </p:spPr>
-      </p:pic>
-      <p:sp>
-        <p:nvSpPr>
-          <p:cNvPr id="12" name="TextBox 11">
-            <a:extLst>
-              <a:ext uri="{FF2B5EF4-FFF2-40B4-BE49-F238E27FC236}">
-                <a16:creationId xmlns:a16="http://schemas.microsoft.com/office/drawing/2014/main" id="{C0D622B2-44B2-94CB-4EE5-99ADD99313AB}"/>
-              </a:ext>
-            </a:extLst>
-          </p:cNvPr>
-          <p:cNvSpPr txBox="1"/>
-          <p:nvPr/>
-        </p:nvSpPr>
-        <p:spPr>
-          <a:xfrm>
-            <a:off x="8219441" y="2890522"/>
-            <a:ext cx="7193280" cy="369332"/>
-          </a:xfrm>
-          <a:prstGeom prst="rect">
-            <a:avLst/>
-          </a:prstGeom>
-          <a:noFill/>
-        </p:spPr>
-        <p:txBody>
-          <a:bodyPr wrap="square">
-            <a:spAutoFit/>
-          </a:bodyPr>
-          <a:lstStyle/>
-          <a:p>
-            <a:r>
-              <a:rPr lang="en-GB" b="1" i="0" dirty="0">
-                <a:effectLst/>
-                <a:latin typeface="Times New Roman" panose="02020603050405020304" pitchFamily="18" charset="0"/>
-                <a:cs typeface="Times New Roman" panose="02020603050405020304" pitchFamily="18" charset="0"/>
-              </a:rPr>
-              <a:t>Hybrid Inheritance</a:t>
-            </a:r>
-            <a:endParaRPr lang="en-IN" dirty="0"/>
-          </a:p>
-        </p:txBody>
-      </p:sp>
-      <p:pic>
-        <p:nvPicPr>
-          <p:cNvPr id="13" name="Content Placeholder 4">
-            <a:extLst>
-              <a:ext uri="{FF2B5EF4-FFF2-40B4-BE49-F238E27FC236}">
-                <a16:creationId xmlns:a16="http://schemas.microsoft.com/office/drawing/2014/main" id="{3CE8D95A-1466-7BF6-C426-35650087BAE3}"/>
-              </a:ext>
-            </a:extLst>
-          </p:cNvPr>
-          <p:cNvPicPr>
-            <a:picLocks noChangeAspect="1"/>
-          </p:cNvPicPr>
-          <p:nvPr/>
-        </p:nvPicPr>
-        <p:blipFill>
-          <a:blip r:embed="rId5"/>
-          <a:stretch>
-            <a:fillRect/>
-          </a:stretch>
-        </p:blipFill>
-        <p:spPr>
-          <a:xfrm>
-            <a:off x="7447942" y="3250864"/>
-            <a:ext cx="4368139" cy="2844313"/>
-          </a:xfrm>
-          <a:prstGeom prst="rect">
-            <a:avLst/>
-          </a:prstGeom>
-        </p:spPr>
-      </p:pic>
-      <p:sp>
-        <p:nvSpPr>
-          <p:cNvPr id="14" name="TextBox 13">
-            <a:extLst>
-              <a:ext uri="{FF2B5EF4-FFF2-40B4-BE49-F238E27FC236}">
-                <a16:creationId xmlns:a16="http://schemas.microsoft.com/office/drawing/2014/main" id="{872DDA83-2D7F-CA9D-510E-31C00B0B9A4E}"/>
-              </a:ext>
-            </a:extLst>
-          </p:cNvPr>
-          <p:cNvSpPr txBox="1"/>
-          <p:nvPr/>
-        </p:nvSpPr>
-        <p:spPr>
-          <a:xfrm>
-            <a:off x="3974653" y="1823095"/>
-            <a:ext cx="2981961" cy="1631216"/>
-          </a:xfrm>
-          <a:prstGeom prst="rect">
-            <a:avLst/>
-          </a:prstGeom>
-          <a:noFill/>
-        </p:spPr>
-        <p:txBody>
-          <a:bodyPr wrap="square" rtlCol="0">
-            <a:spAutoFit/>
-          </a:bodyPr>
-          <a:lstStyle/>
-          <a:p>
-            <a:r>
-              <a:rPr lang="en-IN" sz="2800" dirty="0"/>
-              <a:t>NOTE</a:t>
-            </a:r>
-          </a:p>
-          <a:p>
-            <a:endParaRPr lang="en-IN" dirty="0"/>
-          </a:p>
-          <a:p>
-            <a:r>
-              <a:rPr lang="en-IN" dirty="0"/>
-              <a:t>JAVA DOES NOT </a:t>
-            </a:r>
-          </a:p>
-          <a:p>
-            <a:r>
-              <a:rPr lang="en-IN" dirty="0"/>
-              <a:t>SUPPORT </a:t>
-            </a:r>
-          </a:p>
-          <a:p>
-            <a:r>
-              <a:rPr lang="en-IN" dirty="0"/>
-              <a:t>MULTIPLE INHERITANCE</a:t>
-            </a:r>
-          </a:p>
-        </p:txBody>
-      </p:sp>
     </p:spTree>
     <p:extLst>
       <p:ext uri="{BB962C8B-B14F-4D97-AF65-F5344CB8AC3E}">
-        <p14:creationId xmlns:p14="http://schemas.microsoft.com/office/powerpoint/2010/main" val="3686389010"/>
+        <p14:creationId xmlns:p14="http://schemas.microsoft.com/office/powerpoint/2010/main" val="459590061"/>
       </p:ext>
     </p:extLst>
   </p:cSld>
   <p:clrMapOvr>
     <a:masterClrMapping/>
   </p:clrMapOvr>
-  <mc:AlternateContent xmlns:mc="http://schemas.openxmlformats.org/markup-compatibility/2006" xmlns:p14="http://schemas.microsoft.com/office/powerpoint/2010/main">
-    <mc:Choice Requires="p14">
+  <mc:AlternateContent xmlns:mc="http://schemas.openxmlformats.org/markup-compatibility/2006">
+    <mc:Choice xmlns:p14="http://schemas.microsoft.com/office/powerpoint/2010/main" Requires="p14">
       <p:transition spd="slow" p14:dur="1250">
-        <p14:switch dir="r"/>
+        <p14:flip dir="r"/>
       </p:transition>
     </mc:Choice>
-    <mc:Fallback xmlns="">
+    <mc:Fallback>
       <p:transition spd="slow">
         <p:fade/>
       </p:transition>
@@ -5469,626 +5488,6 @@
       </p:grpSpPr>
       <p:sp>
         <p:nvSpPr>
-          <p:cNvPr id="2" name="Title 1">
-            <a:extLst>
-              <a:ext uri="{FF2B5EF4-FFF2-40B4-BE49-F238E27FC236}">
-                <a16:creationId xmlns:a16="http://schemas.microsoft.com/office/drawing/2014/main" id="{E1CD3C18-69DA-77AD-FD76-7DFE06ADE8BB}"/>
-              </a:ext>
-            </a:extLst>
-          </p:cNvPr>
-          <p:cNvSpPr>
-            <a:spLocks noGrp="1"/>
-          </p:cNvSpPr>
-          <p:nvPr>
-            <p:ph type="title"/>
-          </p:nvPr>
-        </p:nvSpPr>
-        <p:spPr/>
-        <p:txBody>
-          <a:bodyPr/>
-          <a:lstStyle/>
-          <a:p>
-            <a:r>
-              <a:rPr lang="en-GB" b="1" dirty="0">
-                <a:latin typeface="Times New Roman" panose="02020603050405020304" pitchFamily="18" charset="0"/>
-                <a:cs typeface="Times New Roman" panose="02020603050405020304" pitchFamily="18" charset="0"/>
-              </a:rPr>
-              <a:t>Polymorphism</a:t>
-            </a:r>
-            <a:endParaRPr lang="en-IN" dirty="0"/>
-          </a:p>
-        </p:txBody>
-      </p:sp>
-      <p:sp>
-        <p:nvSpPr>
-          <p:cNvPr id="3" name="Content Placeholder 2">
-            <a:extLst>
-              <a:ext uri="{FF2B5EF4-FFF2-40B4-BE49-F238E27FC236}">
-                <a16:creationId xmlns:a16="http://schemas.microsoft.com/office/drawing/2014/main" id="{B61193D9-4388-DD6C-D34F-712C851C51F2}"/>
-              </a:ext>
-            </a:extLst>
-          </p:cNvPr>
-          <p:cNvSpPr>
-            <a:spLocks noGrp="1"/>
-          </p:cNvSpPr>
-          <p:nvPr>
-            <p:ph idx="1"/>
-          </p:nvPr>
-        </p:nvSpPr>
-        <p:spPr>
-          <a:xfrm>
-            <a:off x="335281" y="1853754"/>
-            <a:ext cx="10719574" cy="3612591"/>
-          </a:xfrm>
-        </p:spPr>
-        <p:txBody>
-          <a:bodyPr/>
-          <a:lstStyle/>
-          <a:p>
-            <a:pPr marL="0" indent="0">
-              <a:lnSpc>
-                <a:spcPct val="150000"/>
-              </a:lnSpc>
-              <a:buNone/>
-            </a:pPr>
-            <a:r>
-              <a:rPr lang="en-GB" sz="2000" dirty="0">
-                <a:latin typeface="Times New Roman" panose="02020603050405020304" pitchFamily="18" charset="0"/>
-                <a:cs typeface="Times New Roman" panose="02020603050405020304" pitchFamily="18" charset="0"/>
-              </a:rPr>
-              <a:t>Polymorphism means having many forms. In simple words, we can define polymorphism as the ability of a message to be displayed in more than one form or functions.</a:t>
-            </a:r>
-          </a:p>
-          <a:p>
-            <a:pPr marL="0" indent="0">
-              <a:lnSpc>
-                <a:spcPct val="150000"/>
-              </a:lnSpc>
-              <a:buNone/>
-            </a:pPr>
-            <a:r>
-              <a:rPr lang="en-IN" sz="2000" b="1" dirty="0">
-                <a:latin typeface="Times New Roman" panose="02020603050405020304" pitchFamily="18" charset="0"/>
-                <a:cs typeface="Times New Roman" panose="02020603050405020304" pitchFamily="18" charset="0"/>
-              </a:rPr>
-              <a:t>In Java polymorphism is mainly divided into two types:</a:t>
-            </a:r>
-            <a:endParaRPr lang="en-IN" sz="2000" dirty="0">
-              <a:latin typeface="Times New Roman" panose="02020603050405020304" pitchFamily="18" charset="0"/>
-              <a:cs typeface="Times New Roman" panose="02020603050405020304" pitchFamily="18" charset="0"/>
-            </a:endParaRPr>
-          </a:p>
-          <a:p>
-            <a:pPr marL="342900" indent="-342900">
-              <a:lnSpc>
-                <a:spcPct val="150000"/>
-              </a:lnSpc>
-              <a:buFont typeface="+mj-lt"/>
-              <a:buAutoNum type="arabicPeriod"/>
-            </a:pPr>
-            <a:r>
-              <a:rPr lang="en-IN" sz="2000" dirty="0">
-                <a:latin typeface="Times New Roman" panose="02020603050405020304" pitchFamily="18" charset="0"/>
-                <a:cs typeface="Times New Roman" panose="02020603050405020304" pitchFamily="18" charset="0"/>
-              </a:rPr>
-              <a:t>Compile-time Polymorphism(Method overloading/Static binding)</a:t>
-            </a:r>
-          </a:p>
-          <a:p>
-            <a:pPr marL="342900" indent="-342900">
-              <a:lnSpc>
-                <a:spcPct val="150000"/>
-              </a:lnSpc>
-              <a:buFont typeface="+mj-lt"/>
-              <a:buAutoNum type="arabicPeriod"/>
-            </a:pPr>
-            <a:r>
-              <a:rPr lang="en-IN" sz="2000" dirty="0">
-                <a:latin typeface="Times New Roman" panose="02020603050405020304" pitchFamily="18" charset="0"/>
-                <a:cs typeface="Times New Roman" panose="02020603050405020304" pitchFamily="18" charset="0"/>
-              </a:rPr>
-              <a:t>Runtime Polymorphism(Method overriding/Dynamic binding)</a:t>
-            </a:r>
-          </a:p>
-          <a:p>
-            <a:endParaRPr lang="en-IN" dirty="0"/>
-          </a:p>
-        </p:txBody>
-      </p:sp>
-      <p:pic>
-        <p:nvPicPr>
-          <p:cNvPr id="4" name="Picture 3">
-            <a:extLst>
-              <a:ext uri="{FF2B5EF4-FFF2-40B4-BE49-F238E27FC236}">
-                <a16:creationId xmlns:a16="http://schemas.microsoft.com/office/drawing/2014/main" id="{703C3FBF-2FBD-99B9-CA71-803E7FC08573}"/>
-              </a:ext>
-            </a:extLst>
-          </p:cNvPr>
-          <p:cNvPicPr>
-            <a:picLocks noChangeAspect="1"/>
-          </p:cNvPicPr>
-          <p:nvPr/>
-        </p:nvPicPr>
-        <p:blipFill>
-          <a:blip r:embed="rId2"/>
-          <a:stretch>
-            <a:fillRect/>
-          </a:stretch>
-        </p:blipFill>
-        <p:spPr>
-          <a:xfrm>
-            <a:off x="7796007" y="2599311"/>
-            <a:ext cx="3953435" cy="3916269"/>
-          </a:xfrm>
-          <a:prstGeom prst="rect">
-            <a:avLst/>
-          </a:prstGeom>
-        </p:spPr>
-      </p:pic>
-    </p:spTree>
-    <p:extLst>
-      <p:ext uri="{BB962C8B-B14F-4D97-AF65-F5344CB8AC3E}">
-        <p14:creationId xmlns:p14="http://schemas.microsoft.com/office/powerpoint/2010/main" val="459590061"/>
-      </p:ext>
-    </p:extLst>
-  </p:cSld>
-  <p:clrMapOvr>
-    <a:masterClrMapping/>
-  </p:clrMapOvr>
-  <mc:AlternateContent xmlns:mc="http://schemas.openxmlformats.org/markup-compatibility/2006" xmlns:p14="http://schemas.microsoft.com/office/powerpoint/2010/main">
-    <mc:Choice Requires="p14">
-      <p:transition spd="slow" p14:dur="1250">
-        <p14:flip dir="r"/>
-      </p:transition>
-    </mc:Choice>
-    <mc:Fallback xmlns="">
-      <p:transition spd="slow">
-        <p:fade/>
-      </p:transition>
-    </mc:Fallback>
-  </mc:AlternateContent>
-</p:sld>
-</file>
-
-<file path=ppt/slides/slide14.xml><?xml version="1.0" encoding="utf-8"?>
-<p:sld xmlns:a="http://schemas.openxmlformats.org/drawingml/2006/main" xmlns:r="http://schemas.openxmlformats.org/officeDocument/2006/relationships" xmlns:p="http://schemas.openxmlformats.org/presentationml/2006/main">
-  <p:cSld>
-    <p:spTree>
-      <p:nvGrpSpPr>
-        <p:cNvPr id="1" name=""/>
-        <p:cNvGrpSpPr/>
-        <p:nvPr/>
-      </p:nvGrpSpPr>
-      <p:grpSpPr>
-        <a:xfrm>
-          <a:off x="0" y="0"/>
-          <a:ext cx="0" cy="0"/>
-          <a:chOff x="0" y="0"/>
-          <a:chExt cx="0" cy="0"/>
-        </a:xfrm>
-      </p:grpSpPr>
-      <p:sp>
-        <p:nvSpPr>
-          <p:cNvPr id="2" name="Title 1">
-            <a:extLst>
-              <a:ext uri="{FF2B5EF4-FFF2-40B4-BE49-F238E27FC236}">
-                <a16:creationId xmlns:a16="http://schemas.microsoft.com/office/drawing/2014/main" id="{BDF109F1-D8B7-84EC-5DBB-E1C18BB2C47B}"/>
-              </a:ext>
-            </a:extLst>
-          </p:cNvPr>
-          <p:cNvSpPr>
-            <a:spLocks noGrp="1"/>
-          </p:cNvSpPr>
-          <p:nvPr>
-            <p:ph type="title"/>
-          </p:nvPr>
-        </p:nvSpPr>
-        <p:spPr/>
-        <p:txBody>
-          <a:bodyPr/>
-          <a:lstStyle/>
-          <a:p>
-            <a:r>
-              <a:rPr lang="en-IN" dirty="0"/>
-              <a:t>Method overloading </a:t>
-            </a:r>
-            <a:br>
-              <a:rPr lang="en-IN" dirty="0"/>
-            </a:br>
-            <a:r>
-              <a:rPr lang="en-IN" dirty="0"/>
-              <a:t> </a:t>
-            </a:r>
-          </a:p>
-        </p:txBody>
-      </p:sp>
-      <p:sp>
-        <p:nvSpPr>
-          <p:cNvPr id="3" name="Content Placeholder 2">
-            <a:extLst>
-              <a:ext uri="{FF2B5EF4-FFF2-40B4-BE49-F238E27FC236}">
-                <a16:creationId xmlns:a16="http://schemas.microsoft.com/office/drawing/2014/main" id="{C2B8A86C-BD05-E59D-474F-D1081EECDD08}"/>
-              </a:ext>
-            </a:extLst>
-          </p:cNvPr>
-          <p:cNvSpPr>
-            <a:spLocks noGrp="1"/>
-          </p:cNvSpPr>
-          <p:nvPr>
-            <p:ph idx="1"/>
-          </p:nvPr>
-        </p:nvSpPr>
-        <p:spPr>
-          <a:xfrm>
-            <a:off x="345440" y="2310372"/>
-            <a:ext cx="10709414" cy="3450613"/>
-          </a:xfrm>
-        </p:spPr>
-        <p:txBody>
-          <a:bodyPr>
-            <a:normAutofit/>
-          </a:bodyPr>
-          <a:lstStyle/>
-          <a:p>
-            <a:pPr algn="just"/>
-            <a:r>
-              <a:rPr lang="en-US" b="0" i="0" dirty="0">
-                <a:solidFill>
-                  <a:srgbClr val="333333"/>
-                </a:solidFill>
-                <a:effectLst/>
-                <a:latin typeface="inter-regular"/>
-              </a:rPr>
-              <a:t>If a </a:t>
-            </a:r>
-            <a:r>
-              <a:rPr lang="en-US" b="0" i="0" dirty="0">
-                <a:solidFill>
-                  <a:srgbClr val="008000"/>
-                </a:solidFill>
-                <a:effectLst/>
-                <a:latin typeface="inter-regular"/>
-              </a:rPr>
-              <a:t>class </a:t>
-            </a:r>
-            <a:r>
-              <a:rPr lang="en-US" b="0" i="0" dirty="0">
-                <a:solidFill>
-                  <a:srgbClr val="333333"/>
-                </a:solidFill>
-                <a:effectLst/>
-                <a:latin typeface="inter-regular"/>
-              </a:rPr>
-              <a:t>has multiple methods having same name but different in parameters, it is known as </a:t>
-            </a:r>
-            <a:r>
-              <a:rPr lang="en-US" b="1" i="0" dirty="0">
-                <a:solidFill>
-                  <a:srgbClr val="333333"/>
-                </a:solidFill>
-                <a:effectLst/>
-                <a:latin typeface="inter-bold"/>
-              </a:rPr>
-              <a:t>Method Overloading</a:t>
-            </a:r>
-            <a:r>
-              <a:rPr lang="en-US" b="0" i="0" dirty="0">
-                <a:solidFill>
-                  <a:srgbClr val="333333"/>
-                </a:solidFill>
-                <a:effectLst/>
-                <a:latin typeface="inter-regular"/>
-              </a:rPr>
-              <a:t>.</a:t>
-            </a:r>
-          </a:p>
-          <a:p>
-            <a:pPr algn="just"/>
-            <a:r>
-              <a:rPr lang="en-US" b="0" i="0" dirty="0">
-                <a:solidFill>
-                  <a:srgbClr val="610B4B"/>
-                </a:solidFill>
-                <a:effectLst/>
-                <a:latin typeface="erdana"/>
-              </a:rPr>
-              <a:t>Different ways to overload the method</a:t>
-            </a:r>
-          </a:p>
-          <a:p>
-            <a:pPr algn="just"/>
-            <a:r>
-              <a:rPr lang="en-US" b="0" i="0" dirty="0">
-                <a:solidFill>
-                  <a:srgbClr val="333333"/>
-                </a:solidFill>
-                <a:effectLst/>
-                <a:latin typeface="inter-regular"/>
-              </a:rPr>
-              <a:t>There are two ways to overload the method in java</a:t>
-            </a:r>
-          </a:p>
-          <a:p>
-            <a:pPr algn="just">
-              <a:buFont typeface="+mj-lt"/>
-              <a:buAutoNum type="arabicPeriod"/>
-            </a:pPr>
-            <a:r>
-              <a:rPr lang="en-US" b="0" i="0" dirty="0">
-                <a:solidFill>
-                  <a:srgbClr val="000000"/>
-                </a:solidFill>
-                <a:effectLst/>
-                <a:latin typeface="inter-regular"/>
-              </a:rPr>
-              <a:t>By changing number of arguments</a:t>
-            </a:r>
-          </a:p>
-          <a:p>
-            <a:pPr algn="just">
-              <a:buFont typeface="+mj-lt"/>
-              <a:buAutoNum type="arabicPeriod"/>
-            </a:pPr>
-            <a:r>
-              <a:rPr lang="en-US" b="0" i="0" dirty="0">
-                <a:solidFill>
-                  <a:srgbClr val="000000"/>
-                </a:solidFill>
-                <a:effectLst/>
-                <a:latin typeface="inter-regular"/>
-              </a:rPr>
-              <a:t>By changing the data type</a:t>
-            </a:r>
-          </a:p>
-          <a:p>
-            <a:pPr algn="just"/>
-            <a:r>
-              <a:rPr lang="en-US" b="0" i="0" dirty="0">
-                <a:solidFill>
-                  <a:srgbClr val="333333"/>
-                </a:solidFill>
-                <a:effectLst/>
-                <a:latin typeface="Arial" panose="020B0604020202020204" pitchFamily="34" charset="0"/>
-              </a:rPr>
-              <a:t>In Java, Method Overloading is not possible by changing the return type of the method only.</a:t>
-            </a:r>
-          </a:p>
-          <a:p>
-            <a:pPr algn="just"/>
-            <a:endParaRPr lang="en-US" b="0" i="0" dirty="0">
-              <a:solidFill>
-                <a:srgbClr val="333333"/>
-              </a:solidFill>
-              <a:effectLst/>
-              <a:latin typeface="inter-regular"/>
-            </a:endParaRPr>
-          </a:p>
-        </p:txBody>
-      </p:sp>
-    </p:spTree>
-    <p:extLst>
-      <p:ext uri="{BB962C8B-B14F-4D97-AF65-F5344CB8AC3E}">
-        <p14:creationId xmlns:p14="http://schemas.microsoft.com/office/powerpoint/2010/main" val="3815560556"/>
-      </p:ext>
-    </p:extLst>
-  </p:cSld>
-  <p:clrMapOvr>
-    <a:masterClrMapping/>
-  </p:clrMapOvr>
-</p:sld>
-</file>
-
-<file path=ppt/slides/slide15.xml><?xml version="1.0" encoding="utf-8"?>
-<p:sld xmlns:a="http://schemas.openxmlformats.org/drawingml/2006/main" xmlns:r="http://schemas.openxmlformats.org/officeDocument/2006/relationships" xmlns:p="http://schemas.openxmlformats.org/presentationml/2006/main">
-  <p:cSld>
-    <p:spTree>
-      <p:nvGrpSpPr>
-        <p:cNvPr id="1" name=""/>
-        <p:cNvGrpSpPr/>
-        <p:nvPr/>
-      </p:nvGrpSpPr>
-      <p:grpSpPr>
-        <a:xfrm>
-          <a:off x="0" y="0"/>
-          <a:ext cx="0" cy="0"/>
-          <a:chOff x="0" y="0"/>
-          <a:chExt cx="0" cy="0"/>
-        </a:xfrm>
-      </p:grpSpPr>
-      <p:sp>
-        <p:nvSpPr>
-          <p:cNvPr id="2" name="Title 1">
-            <a:extLst>
-              <a:ext uri="{FF2B5EF4-FFF2-40B4-BE49-F238E27FC236}">
-                <a16:creationId xmlns:a16="http://schemas.microsoft.com/office/drawing/2014/main" id="{25A78696-C082-9ECF-C4F1-A7AD8ED2DE43}"/>
-              </a:ext>
-            </a:extLst>
-          </p:cNvPr>
-          <p:cNvSpPr>
-            <a:spLocks noGrp="1"/>
-          </p:cNvSpPr>
-          <p:nvPr>
-            <p:ph type="title"/>
-          </p:nvPr>
-        </p:nvSpPr>
-        <p:spPr/>
-        <p:txBody>
-          <a:bodyPr/>
-          <a:lstStyle/>
-          <a:p>
-            <a:r>
-              <a:rPr lang="en-IN" dirty="0"/>
-              <a:t>Method overriding</a:t>
-            </a:r>
-          </a:p>
-        </p:txBody>
-      </p:sp>
-      <p:sp>
-        <p:nvSpPr>
-          <p:cNvPr id="3" name="Content Placeholder 2">
-            <a:extLst>
-              <a:ext uri="{FF2B5EF4-FFF2-40B4-BE49-F238E27FC236}">
-                <a16:creationId xmlns:a16="http://schemas.microsoft.com/office/drawing/2014/main" id="{9CC2CD04-6C79-099A-F4A4-DAC2D9FFD93D}"/>
-              </a:ext>
-            </a:extLst>
-          </p:cNvPr>
-          <p:cNvSpPr>
-            <a:spLocks noGrp="1"/>
-          </p:cNvSpPr>
-          <p:nvPr>
-            <p:ph idx="1"/>
-          </p:nvPr>
-        </p:nvSpPr>
-        <p:spPr/>
-        <p:txBody>
-          <a:bodyPr/>
-          <a:lstStyle/>
-          <a:p>
-            <a:pPr marL="0" indent="0" algn="just">
-              <a:buNone/>
-            </a:pPr>
-            <a:endParaRPr lang="en-US" b="0" i="0" dirty="0">
-              <a:solidFill>
-                <a:srgbClr val="000000"/>
-              </a:solidFill>
-              <a:effectLst/>
-              <a:highlight>
-                <a:srgbClr val="000000"/>
-              </a:highlight>
-              <a:latin typeface="inter-regular"/>
-            </a:endParaRPr>
-          </a:p>
-          <a:p>
-            <a:pPr algn="just"/>
-            <a:r>
-              <a:rPr lang="en-US" b="0" i="0" dirty="0">
-                <a:solidFill>
-                  <a:srgbClr val="333333"/>
-                </a:solidFill>
-                <a:effectLst/>
-                <a:latin typeface="inter-regular"/>
-              </a:rPr>
-              <a:t>If subclass (child class) has the same method as declared in the parent class, it is known as </a:t>
-            </a:r>
-            <a:r>
-              <a:rPr lang="en-US" b="1" i="0" dirty="0">
-                <a:solidFill>
-                  <a:srgbClr val="333333"/>
-                </a:solidFill>
-                <a:effectLst/>
-                <a:latin typeface="inter-bold"/>
-              </a:rPr>
-              <a:t>method overriding in Java</a:t>
-            </a:r>
-            <a:r>
-              <a:rPr lang="en-US" b="0" i="0" dirty="0">
-                <a:solidFill>
-                  <a:srgbClr val="333333"/>
-                </a:solidFill>
-                <a:effectLst/>
-                <a:latin typeface="inter-regular"/>
-              </a:rPr>
-              <a:t>.</a:t>
-            </a:r>
-          </a:p>
-          <a:p>
-            <a:pPr algn="just"/>
-            <a:r>
-              <a:rPr lang="en-US" b="0" i="0" dirty="0">
-                <a:solidFill>
-                  <a:srgbClr val="610B4B"/>
-                </a:solidFill>
-                <a:effectLst/>
-                <a:latin typeface="erdana"/>
-              </a:rPr>
-              <a:t>Rules for Java Method Overriding</a:t>
-            </a:r>
-          </a:p>
-          <a:p>
-            <a:pPr algn="just">
-              <a:buFont typeface="+mj-lt"/>
-              <a:buAutoNum type="arabicPeriod"/>
-            </a:pPr>
-            <a:r>
-              <a:rPr lang="en-US" b="0" i="0" dirty="0">
-                <a:solidFill>
-                  <a:srgbClr val="000000"/>
-                </a:solidFill>
-                <a:effectLst/>
-                <a:latin typeface="inter-regular"/>
-              </a:rPr>
-              <a:t>The method must have the same name as in the parent class</a:t>
-            </a:r>
-          </a:p>
-          <a:p>
-            <a:pPr algn="just">
-              <a:buFont typeface="+mj-lt"/>
-              <a:buAutoNum type="arabicPeriod"/>
-            </a:pPr>
-            <a:r>
-              <a:rPr lang="en-US" b="0" i="0" dirty="0">
-                <a:solidFill>
-                  <a:srgbClr val="000000"/>
-                </a:solidFill>
-                <a:effectLst/>
-                <a:latin typeface="inter-regular"/>
-              </a:rPr>
-              <a:t>The method must have the same parameter as in the parent class.</a:t>
-            </a:r>
-          </a:p>
-          <a:p>
-            <a:pPr algn="just">
-              <a:buFont typeface="+mj-lt"/>
-              <a:buAutoNum type="arabicPeriod"/>
-            </a:pPr>
-            <a:r>
-              <a:rPr lang="en-US" b="0" i="0" dirty="0">
-                <a:solidFill>
-                  <a:srgbClr val="000000"/>
-                </a:solidFill>
-                <a:effectLst/>
-                <a:latin typeface="inter-regular"/>
-              </a:rPr>
-              <a:t>There must be an IS-A relationship (inheritance).</a:t>
-            </a:r>
-          </a:p>
-          <a:p>
-            <a:endParaRPr lang="en-IN" dirty="0"/>
-          </a:p>
-        </p:txBody>
-      </p:sp>
-    </p:spTree>
-    <p:extLst>
-      <p:ext uri="{BB962C8B-B14F-4D97-AF65-F5344CB8AC3E}">
-        <p14:creationId xmlns:p14="http://schemas.microsoft.com/office/powerpoint/2010/main" val="3166972704"/>
-      </p:ext>
-    </p:extLst>
-  </p:cSld>
-  <p:clrMapOvr>
-    <a:masterClrMapping/>
-  </p:clrMapOvr>
-</p:sld>
-</file>
-
-<file path=ppt/slides/slide16.xml><?xml version="1.0" encoding="utf-8"?>
-<p:sld xmlns:a="http://schemas.openxmlformats.org/drawingml/2006/main" xmlns:r="http://schemas.openxmlformats.org/officeDocument/2006/relationships" xmlns:p="http://schemas.openxmlformats.org/presentationml/2006/main">
-  <p:cSld>
-    <p:spTree>
-      <p:nvGrpSpPr>
-        <p:cNvPr id="1" name=""/>
-        <p:cNvGrpSpPr/>
-        <p:nvPr/>
-      </p:nvGrpSpPr>
-      <p:grpSpPr>
-        <a:xfrm>
-          <a:off x="0" y="0"/>
-          <a:ext cx="0" cy="0"/>
-          <a:chOff x="0" y="0"/>
-          <a:chExt cx="0" cy="0"/>
-        </a:xfrm>
-      </p:grpSpPr>
-      <p:sp>
-        <p:nvSpPr>
           <p:cNvPr id="2" name="TextBox 1">
             <a:extLst>
               <a:ext uri="{FF2B5EF4-FFF2-40B4-BE49-F238E27FC236}">
@@ -6173,8 +5572,8 @@
           </a:p>
         </p:txBody>
       </p:sp>
-      <mc:AlternateContent xmlns:mc="http://schemas.openxmlformats.org/markup-compatibility/2006" xmlns:p14="http://schemas.microsoft.com/office/powerpoint/2010/main">
-        <mc:Choice Requires="p14">
+      <mc:AlternateContent xmlns:mc="http://schemas.openxmlformats.org/markup-compatibility/2006">
+        <mc:Choice xmlns:p14="http://schemas.microsoft.com/office/powerpoint/2010/main" Requires="p14">
           <p:contentPart p14:bwMode="auto" r:id="rId2">
             <p14:nvContentPartPr>
               <p14:cNvPr id="4" name="Ink 3">
@@ -6193,7 +5592,7 @@
             </p14:xfrm>
           </p:contentPart>
         </mc:Choice>
-        <mc:Fallback xmlns="">
+        <mc:Fallback>
           <p:pic>
             <p:nvPicPr>
               <p:cNvPr id="4" name="Ink 3">
@@ -6234,13 +5633,13 @@
   <p:clrMapOvr>
     <a:masterClrMapping/>
   </p:clrMapOvr>
-  <mc:AlternateContent xmlns:mc="http://schemas.openxmlformats.org/markup-compatibility/2006" xmlns:p15="http://schemas.microsoft.com/office/powerpoint/2012/main">
-    <mc:Choice Requires="p15">
+  <mc:AlternateContent xmlns:mc="http://schemas.openxmlformats.org/markup-compatibility/2006">
+    <mc:Choice xmlns:p15="http://schemas.microsoft.com/office/powerpoint/2012/main" Requires="p15">
       <p:transition xmlns:p14="http://schemas.microsoft.com/office/powerpoint/2010/main" spd="slow" p14:dur="3250">
         <p15:prstTrans prst="origami"/>
       </p:transition>
     </mc:Choice>
-    <mc:Fallback xmlns="">
+    <mc:Fallback>
       <p:transition spd="slow">
         <p:fade/>
       </p:transition>
@@ -6419,7 +5818,7 @@
         </p:nvSpPr>
         <p:spPr>
           <a:xfrm>
-            <a:off x="1370298" y="591159"/>
+            <a:off x="1451578" y="1221079"/>
             <a:ext cx="9603275" cy="1049235"/>
           </a:xfrm>
         </p:spPr>
@@ -6454,16 +5853,9 @@
             <p:ph idx="1"/>
           </p:nvPr>
         </p:nvSpPr>
-        <p:spPr>
-          <a:xfrm>
-            <a:off x="761613" y="1320800"/>
-            <a:ext cx="10668774" cy="4612640"/>
-          </a:xfrm>
-        </p:spPr>
-        <p:txBody>
-          <a:bodyPr>
-            <a:normAutofit/>
-          </a:bodyPr>
+        <p:spPr/>
+        <p:txBody>
+          <a:bodyPr/>
           <a:lstStyle/>
           <a:p>
             <a:pPr>
@@ -6496,104 +5888,7 @@
             </a:r>
           </a:p>
           <a:p>
-            <a:pPr marL="0" indent="0">
-              <a:buNone/>
-            </a:pPr>
-            <a:r>
-              <a:rPr lang="en-IN" u="sng" dirty="0">
-                <a:solidFill>
-                  <a:srgbClr val="000000"/>
-                </a:solidFill>
-                <a:latin typeface="proxima_novaregular"/>
-              </a:rPr>
-              <a:t>Advantages of oops</a:t>
-            </a:r>
-          </a:p>
-          <a:p>
-            <a:pPr algn="l">
-              <a:buFont typeface="+mj-lt"/>
-              <a:buAutoNum type="arabicPeriod"/>
-            </a:pPr>
-            <a:r>
-              <a:rPr lang="en-US" b="0" i="0" dirty="0">
-                <a:solidFill>
-                  <a:srgbClr val="303133"/>
-                </a:solidFill>
-                <a:effectLst/>
-                <a:latin typeface="proxima_novaregular"/>
-              </a:rPr>
-              <a:t>Troubleshooting is easier with the OOP language</a:t>
-            </a:r>
-          </a:p>
-          <a:p>
-            <a:pPr algn="l">
-              <a:buFont typeface="+mj-lt"/>
-              <a:buAutoNum type="arabicPeriod"/>
-            </a:pPr>
-            <a:r>
-              <a:rPr lang="en-US" b="0" i="0" dirty="0">
-                <a:solidFill>
-                  <a:srgbClr val="303133"/>
-                </a:solidFill>
-                <a:effectLst/>
-                <a:latin typeface="proxima_novaregular"/>
-              </a:rPr>
-              <a:t>Code Reusability</a:t>
-            </a:r>
-          </a:p>
-          <a:p>
-            <a:pPr algn="l">
-              <a:buFont typeface="+mj-lt"/>
-              <a:buAutoNum type="arabicPeriod"/>
-            </a:pPr>
-            <a:r>
-              <a:rPr lang="en-US" b="0" i="0" dirty="0">
-                <a:solidFill>
-                  <a:srgbClr val="303133"/>
-                </a:solidFill>
-                <a:effectLst/>
-                <a:latin typeface="proxima_novaregular"/>
-              </a:rPr>
-              <a:t>Code Flexibility</a:t>
-            </a:r>
-          </a:p>
-          <a:p>
-            <a:pPr algn="l">
-              <a:buFont typeface="+mj-lt"/>
-              <a:buAutoNum type="arabicPeriod"/>
-            </a:pPr>
-            <a:r>
-              <a:rPr lang="en-US" b="0" i="0" dirty="0">
-                <a:solidFill>
-                  <a:srgbClr val="303133"/>
-                </a:solidFill>
-                <a:effectLst/>
-                <a:latin typeface="proxima_novaregular"/>
-              </a:rPr>
-              <a:t>Solving problems</a:t>
-            </a:r>
-          </a:p>
-          <a:p>
-            <a:pPr algn="l">
-              <a:buFont typeface="+mj-lt"/>
-              <a:buAutoNum type="arabicPeriod"/>
-            </a:pPr>
-            <a:r>
-              <a:rPr lang="en-US" b="0" i="0" dirty="0">
-                <a:solidFill>
-                  <a:srgbClr val="303133"/>
-                </a:solidFill>
-                <a:effectLst/>
-                <a:latin typeface="proxima_novaregular"/>
-              </a:rPr>
-              <a:t>Security</a:t>
-            </a:r>
-          </a:p>
-          <a:p>
-            <a:pPr marL="0" indent="0">
-              <a:buNone/>
-            </a:pPr>
-            <a:endParaRPr lang="en-IN" u="sng" dirty="0"/>
+            <a:endParaRPr lang="en-IN" dirty="0"/>
           </a:p>
         </p:txBody>
       </p:sp>
@@ -6607,13 +5902,13 @@
   <p:clrMapOvr>
     <a:masterClrMapping/>
   </p:clrMapOvr>
-  <mc:AlternateContent xmlns:mc="http://schemas.openxmlformats.org/markup-compatibility/2006" xmlns:p14="http://schemas.microsoft.com/office/powerpoint/2010/main">
-    <mc:Choice Requires="p14">
+  <mc:AlternateContent xmlns:mc="http://schemas.openxmlformats.org/markup-compatibility/2006">
+    <mc:Choice xmlns:p14="http://schemas.microsoft.com/office/powerpoint/2010/main" Requires="p14">
       <p:transition spd="slow" p14:dur="1600">
         <p14:prism isInverted="1"/>
       </p:transition>
     </mc:Choice>
-    <mc:Fallback xmlns="">
+    <mc:Fallback>
       <p:transition spd="slow">
         <p:fade/>
       </p:transition>
@@ -6692,15 +5987,10 @@
             <p:ph idx="1"/>
           </p:nvPr>
         </p:nvSpPr>
-        <p:spPr>
-          <a:xfrm>
-            <a:off x="294639" y="2072640"/>
-            <a:ext cx="10841495" cy="3952505"/>
-          </a:xfrm>
-        </p:spPr>
+        <p:spPr/>
         <p:txBody>
           <a:bodyPr>
-            <a:normAutofit/>
+            <a:normAutofit fontScale="92500" lnSpcReduction="10000"/>
           </a:bodyPr>
           <a:lstStyle/>
           <a:p>
@@ -6745,19 +6035,8 @@
                 <a:latin typeface="Times New Roman" panose="02020603050405020304" pitchFamily="18" charset="0"/>
                 <a:cs typeface="Times New Roman" panose="02020603050405020304" pitchFamily="18" charset="0"/>
               </a:rPr>
-              <a:t>class contains properties/state and behaviour/methods of an </a:t>
-            </a:r>
-            <a:r>
-              <a:rPr lang="en-GB" sz="2000">
-                <a:latin typeface="Times New Roman" panose="02020603050405020304" pitchFamily="18" charset="0"/>
-                <a:cs typeface="Times New Roman" panose="02020603050405020304" pitchFamily="18" charset="0"/>
-              </a:rPr>
-              <a:t>object.</a:t>
-            </a:r>
-            <a:endParaRPr lang="en-GB" sz="2000" dirty="0">
-              <a:latin typeface="Times New Roman" panose="02020603050405020304" pitchFamily="18" charset="0"/>
-              <a:cs typeface="Times New Roman" panose="02020603050405020304" pitchFamily="18" charset="0"/>
-            </a:endParaRPr>
+              <a:t>class contains properties/state and behaviour/methods of an object.</a:t>
+            </a:r>
           </a:p>
           <a:p>
             <a:pPr marL="0" indent="0" algn="just">
@@ -6823,13 +6102,13 @@
   <p:clrMapOvr>
     <a:masterClrMapping/>
   </p:clrMapOvr>
-  <mc:AlternateContent xmlns:mc="http://schemas.openxmlformats.org/markup-compatibility/2006" xmlns:p14="http://schemas.microsoft.com/office/powerpoint/2010/main">
-    <mc:Choice Requires="p14">
+  <mc:AlternateContent xmlns:mc="http://schemas.openxmlformats.org/markup-compatibility/2006">
+    <mc:Choice xmlns:p14="http://schemas.microsoft.com/office/powerpoint/2010/main" Requires="p14">
       <p:transition spd="slow" p14:dur="1600">
         <p14:gallery dir="l"/>
       </p:transition>
     </mc:Choice>
-    <mc:Fallback xmlns="">
+    <mc:Fallback>
       <p:transition spd="slow">
         <p:fade/>
       </p:transition>
@@ -6860,7 +6139,7 @@
           <p:cNvPr id="2" name="TextBox 1">
             <a:extLst>
               <a:ext uri="{FF2B5EF4-FFF2-40B4-BE49-F238E27FC236}">
-                <a16:creationId xmlns:a16="http://schemas.microsoft.com/office/drawing/2014/main" id="{5D6EBE82-E3D0-7BEE-5395-39FD9FF5B642}"/>
+                <a16:creationId xmlns:a16="http://schemas.microsoft.com/office/drawing/2014/main" id="{FB5FE3D2-B415-4737-9005-573716C8BF89}"/>
               </a:ext>
             </a:extLst>
           </p:cNvPr>
@@ -6869,8 +6148,8 @@
         </p:nvSpPr>
         <p:spPr>
           <a:xfrm>
-            <a:off x="1300480" y="619760"/>
-            <a:ext cx="6065520" cy="3693319"/>
+            <a:off x="792480" y="1127760"/>
+            <a:ext cx="2296160" cy="4985980"/>
           </a:xfrm>
           <a:prstGeom prst="rect">
             <a:avLst/>
@@ -6883,108 +6162,255 @@
           </a:bodyPr>
           <a:lstStyle/>
           <a:p>
-            <a:r>
-              <a:rPr lang="en-IN" dirty="0"/>
-              <a:t>Declaration of Class syntax:</a:t>
-            </a:r>
-          </a:p>
-          <a:p>
-            <a:endParaRPr lang="en-IN" dirty="0"/>
-          </a:p>
-          <a:p>
-            <a:r>
-              <a:rPr lang="en-IN" dirty="0"/>
-              <a:t>Class </a:t>
-            </a:r>
-            <a:r>
-              <a:rPr lang="en-IN" dirty="0" err="1"/>
-              <a:t>class_name</a:t>
-            </a:r>
-            <a:endParaRPr lang="en-IN" dirty="0"/>
-          </a:p>
-          <a:p>
-            <a:r>
-              <a:rPr lang="en-IN" dirty="0"/>
-              <a:t>{</a:t>
-            </a:r>
-          </a:p>
-          <a:p>
-            <a:r>
-              <a:rPr lang="en-IN" dirty="0"/>
-              <a:t>//variable;</a:t>
-            </a:r>
-          </a:p>
-          <a:p>
-            <a:r>
-              <a:rPr lang="en-IN" dirty="0"/>
-              <a:t>//methods;</a:t>
-            </a:r>
-          </a:p>
-          <a:p>
-            <a:r>
-              <a:rPr lang="en-IN" dirty="0"/>
-              <a:t>}</a:t>
-            </a:r>
-          </a:p>
-          <a:p>
-            <a:endParaRPr lang="en-IN" dirty="0"/>
-          </a:p>
-          <a:p>
-            <a:endParaRPr lang="en-IN" dirty="0"/>
-          </a:p>
-          <a:p>
-            <a:r>
-              <a:rPr lang="en-IN" dirty="0"/>
-              <a:t>Declaration of object syntax:</a:t>
-            </a:r>
-          </a:p>
-          <a:p>
-            <a:endParaRPr lang="en-IN" dirty="0"/>
-          </a:p>
-          <a:p>
-            <a:r>
-              <a:rPr lang="en-IN" dirty="0" err="1"/>
-              <a:t>Class_name</a:t>
-            </a:r>
-            <a:r>
-              <a:rPr lang="en-IN" dirty="0"/>
-              <a:t> </a:t>
-            </a:r>
-            <a:r>
-              <a:rPr lang="en-IN" dirty="0" err="1"/>
-              <a:t>obj_name</a:t>
-            </a:r>
-            <a:r>
-              <a:rPr lang="en-IN" dirty="0"/>
-              <a:t>=new </a:t>
-            </a:r>
-            <a:r>
-              <a:rPr lang="en-IN" dirty="0" err="1"/>
-              <a:t>Class_name</a:t>
-            </a:r>
-            <a:r>
-              <a:rPr lang="en-IN" dirty="0"/>
-              <a:t>();</a:t>
-            </a:r>
-          </a:p>
-          <a:p>
-            <a:r>
-              <a:rPr lang="en-IN" dirty="0"/>
-              <a:t> </a:t>
-            </a:r>
-          </a:p>
-        </p:txBody>
-      </p:sp>
+            <a:pPr marL="0" indent="0" algn="just">
+              <a:lnSpc>
+                <a:spcPct val="150000"/>
+              </a:lnSpc>
+              <a:buNone/>
+            </a:pPr>
+            <a:r>
+              <a:rPr lang="en-GB" sz="2000" b="1" dirty="0">
+                <a:latin typeface="Times New Roman" panose="02020603050405020304" pitchFamily="18" charset="0"/>
+                <a:cs typeface="Times New Roman" panose="02020603050405020304" pitchFamily="18" charset="0"/>
+              </a:rPr>
+              <a:t>For e.g. </a:t>
+            </a:r>
+          </a:p>
+          <a:p>
+            <a:pPr marL="0" indent="0" algn="just">
+              <a:lnSpc>
+                <a:spcPct val="150000"/>
+              </a:lnSpc>
+              <a:buNone/>
+            </a:pPr>
+            <a:r>
+              <a:rPr lang="en-GB" sz="1800" dirty="0">
+                <a:latin typeface="Times New Roman" panose="02020603050405020304" pitchFamily="18" charset="0"/>
+                <a:cs typeface="Times New Roman" panose="02020603050405020304" pitchFamily="18" charset="0"/>
+              </a:rPr>
+              <a:t>Car-  This is </a:t>
+            </a:r>
+            <a:r>
+              <a:rPr lang="en-GB" sz="1800" b="1" dirty="0">
+                <a:latin typeface="Times New Roman" panose="02020603050405020304" pitchFamily="18" charset="0"/>
+                <a:cs typeface="Times New Roman" panose="02020603050405020304" pitchFamily="18" charset="0"/>
+              </a:rPr>
+              <a:t>class</a:t>
+            </a:r>
+          </a:p>
+          <a:p>
+            <a:pPr marL="0" indent="0" algn="just">
+              <a:lnSpc>
+                <a:spcPct val="150000"/>
+              </a:lnSpc>
+              <a:buNone/>
+            </a:pPr>
+            <a:r>
+              <a:rPr lang="en-GB" sz="1800" b="1" dirty="0">
+                <a:latin typeface="Times New Roman" panose="02020603050405020304" pitchFamily="18" charset="0"/>
+                <a:cs typeface="Times New Roman" panose="02020603050405020304" pitchFamily="18" charset="0"/>
+              </a:rPr>
+              <a:t>Objec</a:t>
+            </a:r>
+            <a:r>
+              <a:rPr lang="en-GB" sz="1800" dirty="0">
+                <a:latin typeface="Times New Roman" panose="02020603050405020304" pitchFamily="18" charset="0"/>
+                <a:cs typeface="Times New Roman" panose="02020603050405020304" pitchFamily="18" charset="0"/>
+              </a:rPr>
+              <a:t>t is :-</a:t>
+            </a:r>
+            <a:endParaRPr lang="en-IN" sz="1800" dirty="0">
+              <a:latin typeface="Times New Roman" panose="02020603050405020304" pitchFamily="18" charset="0"/>
+              <a:cs typeface="Times New Roman" panose="02020603050405020304" pitchFamily="18" charset="0"/>
+            </a:endParaRPr>
+          </a:p>
+          <a:p>
+            <a:pPr marL="0" indent="0" algn="just">
+              <a:lnSpc>
+                <a:spcPct val="150000"/>
+              </a:lnSpc>
+              <a:buNone/>
+            </a:pPr>
+            <a:r>
+              <a:rPr lang="en-GB" sz="1800" dirty="0">
+                <a:latin typeface="Times New Roman" panose="02020603050405020304" pitchFamily="18" charset="0"/>
+                <a:cs typeface="Times New Roman" panose="02020603050405020304" pitchFamily="18" charset="0"/>
+              </a:rPr>
+              <a:t>Brand name </a:t>
+            </a:r>
+          </a:p>
+          <a:p>
+            <a:pPr marL="0" indent="0" algn="just">
+              <a:lnSpc>
+                <a:spcPct val="150000"/>
+              </a:lnSpc>
+              <a:buNone/>
+            </a:pPr>
+            <a:r>
+              <a:rPr lang="en-GB" sz="1800" dirty="0">
+                <a:latin typeface="Times New Roman" panose="02020603050405020304" pitchFamily="18" charset="0"/>
+                <a:cs typeface="Times New Roman" panose="02020603050405020304" pitchFamily="18" charset="0"/>
+              </a:rPr>
+              <a:t>Model</a:t>
+            </a:r>
+          </a:p>
+          <a:p>
+            <a:pPr marL="0" indent="0" algn="just">
+              <a:lnSpc>
+                <a:spcPct val="150000"/>
+              </a:lnSpc>
+              <a:buNone/>
+            </a:pPr>
+            <a:r>
+              <a:rPr lang="en-GB" sz="1800" dirty="0">
+                <a:latin typeface="Times New Roman" panose="02020603050405020304" pitchFamily="18" charset="0"/>
+                <a:cs typeface="Times New Roman" panose="02020603050405020304" pitchFamily="18" charset="0"/>
+              </a:rPr>
+              <a:t>Name</a:t>
+            </a:r>
+          </a:p>
+          <a:p>
+            <a:pPr marL="0" indent="0" algn="just">
+              <a:lnSpc>
+                <a:spcPct val="150000"/>
+              </a:lnSpc>
+              <a:buNone/>
+            </a:pPr>
+            <a:r>
+              <a:rPr lang="en-GB" sz="1800" dirty="0">
+                <a:latin typeface="Times New Roman" panose="02020603050405020304" pitchFamily="18" charset="0"/>
+                <a:cs typeface="Times New Roman" panose="02020603050405020304" pitchFamily="18" charset="0"/>
+              </a:rPr>
+              <a:t>Car number</a:t>
+            </a:r>
+          </a:p>
+          <a:p>
+            <a:pPr marL="0" indent="0" algn="just">
+              <a:lnSpc>
+                <a:spcPct val="150000"/>
+              </a:lnSpc>
+              <a:buNone/>
+            </a:pPr>
+            <a:r>
+              <a:rPr lang="en-GB" sz="1800" b="1" dirty="0">
+                <a:latin typeface="Times New Roman" panose="02020603050405020304" pitchFamily="18" charset="0"/>
+                <a:cs typeface="Times New Roman" panose="02020603050405020304" pitchFamily="18" charset="0"/>
+              </a:rPr>
+              <a:t>Behaviour </a:t>
+            </a:r>
+            <a:r>
+              <a:rPr lang="en-GB" sz="1800" dirty="0">
+                <a:latin typeface="Times New Roman" panose="02020603050405020304" pitchFamily="18" charset="0"/>
+                <a:cs typeface="Times New Roman" panose="02020603050405020304" pitchFamily="18" charset="0"/>
+              </a:rPr>
+              <a:t>is:-</a:t>
+            </a:r>
+          </a:p>
+          <a:p>
+            <a:pPr marL="0" indent="0" algn="just">
+              <a:lnSpc>
+                <a:spcPct val="150000"/>
+              </a:lnSpc>
+              <a:buNone/>
+            </a:pPr>
+            <a:r>
+              <a:rPr lang="en-GB" sz="1800" dirty="0">
+                <a:latin typeface="Times New Roman" panose="02020603050405020304" pitchFamily="18" charset="0"/>
+                <a:cs typeface="Times New Roman" panose="02020603050405020304" pitchFamily="18" charset="0"/>
+              </a:rPr>
+              <a:t>Mileage()</a:t>
+            </a:r>
+          </a:p>
+          <a:p>
+            <a:pPr marL="0" indent="0" algn="just">
+              <a:lnSpc>
+                <a:spcPct val="150000"/>
+              </a:lnSpc>
+              <a:buNone/>
+            </a:pPr>
+            <a:r>
+              <a:rPr lang="en-GB" sz="1800" dirty="0">
+                <a:latin typeface="Times New Roman" panose="02020603050405020304" pitchFamily="18" charset="0"/>
+                <a:cs typeface="Times New Roman" panose="02020603050405020304" pitchFamily="18" charset="0"/>
+              </a:rPr>
+              <a:t>Comfort()</a:t>
+            </a:r>
+          </a:p>
+          <a:p>
+            <a:pPr marL="0" indent="0" algn="just">
+              <a:lnSpc>
+                <a:spcPct val="150000"/>
+              </a:lnSpc>
+              <a:buNone/>
+            </a:pPr>
+            <a:r>
+              <a:rPr lang="en-GB" sz="1800" dirty="0">
+                <a:latin typeface="Times New Roman" panose="02020603050405020304" pitchFamily="18" charset="0"/>
+                <a:cs typeface="Times New Roman" panose="02020603050405020304" pitchFamily="18" charset="0"/>
+              </a:rPr>
+              <a:t>Wheel drive ().</a:t>
+            </a:r>
+          </a:p>
+          <a:p>
+            <a:pPr marL="0" indent="0">
+              <a:buNone/>
+            </a:pPr>
+            <a:endParaRPr lang="en-GB" dirty="0"/>
+          </a:p>
+        </p:txBody>
+      </p:sp>
+      <p:pic>
+        <p:nvPicPr>
+          <p:cNvPr id="3" name="Picture 2">
+            <a:extLst>
+              <a:ext uri="{FF2B5EF4-FFF2-40B4-BE49-F238E27FC236}">
+                <a16:creationId xmlns:a16="http://schemas.microsoft.com/office/drawing/2014/main" id="{26BC271B-E234-369E-A21A-6BC0106ADEFD}"/>
+              </a:ext>
+            </a:extLst>
+          </p:cNvPr>
+          <p:cNvPicPr>
+            <a:picLocks noChangeAspect="1"/>
+          </p:cNvPicPr>
+          <p:nvPr/>
+        </p:nvPicPr>
+        <p:blipFill>
+          <a:blip r:embed="rId2"/>
+          <a:stretch>
+            <a:fillRect/>
+          </a:stretch>
+        </p:blipFill>
+        <p:spPr>
+          <a:xfrm>
+            <a:off x="5432611" y="1109475"/>
+            <a:ext cx="5337944" cy="4508407"/>
+          </a:xfrm>
+          <a:prstGeom prst="rect">
+            <a:avLst/>
+          </a:prstGeom>
+        </p:spPr>
+      </p:pic>
     </p:spTree>
     <p:extLst>
       <p:ext uri="{BB962C8B-B14F-4D97-AF65-F5344CB8AC3E}">
-        <p14:creationId xmlns:p14="http://schemas.microsoft.com/office/powerpoint/2010/main" val="669882206"/>
+        <p14:creationId xmlns:p14="http://schemas.microsoft.com/office/powerpoint/2010/main" val="3705948976"/>
       </p:ext>
     </p:extLst>
   </p:cSld>
   <p:clrMapOvr>
     <a:masterClrMapping/>
   </p:clrMapOvr>
+  <mc:AlternateContent xmlns:mc="http://schemas.openxmlformats.org/markup-compatibility/2006">
+    <mc:Choice xmlns:p15="http://schemas.microsoft.com/office/powerpoint/2012/main" Requires="p15">
+      <p:transition xmlns:p14="http://schemas.microsoft.com/office/powerpoint/2010/main" spd="slow" p14:dur="1250">
+        <p15:prstTrans prst="airplane"/>
+      </p:transition>
+    </mc:Choice>
+    <mc:Fallback>
+      <p:transition spd="slow">
+        <p:fade/>
+      </p:transition>
+    </mc:Fallback>
+  </mc:AlternateContent>
 </p:sld>
 </file>
 
@@ -7007,235 +6433,97 @@
       </p:grpSpPr>
       <p:sp>
         <p:nvSpPr>
-          <p:cNvPr id="2" name="TextBox 1">
+          <p:cNvPr id="2" name="Title 1">
             <a:extLst>
               <a:ext uri="{FF2B5EF4-FFF2-40B4-BE49-F238E27FC236}">
-                <a16:creationId xmlns:a16="http://schemas.microsoft.com/office/drawing/2014/main" id="{FB5FE3D2-B415-4737-9005-573716C8BF89}"/>
+                <a16:creationId xmlns:a16="http://schemas.microsoft.com/office/drawing/2014/main" id="{947EC456-24AC-0AB3-5736-835423D9B616}"/>
               </a:ext>
             </a:extLst>
           </p:cNvPr>
-          <p:cNvSpPr txBox="1"/>
-          <p:nvPr/>
-        </p:nvSpPr>
-        <p:spPr>
-          <a:xfrm>
-            <a:off x="792480" y="1127760"/>
-            <a:ext cx="2296160" cy="4985980"/>
-          </a:xfrm>
-          <a:prstGeom prst="rect">
-            <a:avLst/>
-          </a:prstGeom>
-          <a:noFill/>
-        </p:spPr>
-        <p:txBody>
-          <a:bodyPr wrap="square" rtlCol="0">
-            <a:spAutoFit/>
-          </a:bodyPr>
-          <a:lstStyle/>
-          <a:p>
-            <a:pPr marL="0" indent="0" algn="just">
-              <a:lnSpc>
-                <a:spcPct val="150000"/>
-              </a:lnSpc>
-              <a:buNone/>
-            </a:pPr>
-            <a:r>
-              <a:rPr lang="en-GB" sz="2000" b="1" dirty="0">
+          <p:cNvSpPr>
+            <a:spLocks noGrp="1"/>
+          </p:cNvSpPr>
+          <p:nvPr>
+            <p:ph type="title"/>
+          </p:nvPr>
+        </p:nvSpPr>
+        <p:spPr>
+          <a:xfrm>
+            <a:off x="1451578" y="1391655"/>
+            <a:ext cx="9603275" cy="1049235"/>
+          </a:xfrm>
+        </p:spPr>
+        <p:txBody>
+          <a:bodyPr/>
+          <a:lstStyle/>
+          <a:p>
+            <a:r>
+              <a:rPr lang="en-GB" b="1" i="0" dirty="0">
+                <a:effectLst/>
                 <a:latin typeface="Times New Roman" panose="02020603050405020304" pitchFamily="18" charset="0"/>
                 <a:cs typeface="Times New Roman" panose="02020603050405020304" pitchFamily="18" charset="0"/>
               </a:rPr>
-              <a:t>For e.g. </a:t>
-            </a:r>
-          </a:p>
-          <a:p>
-            <a:pPr marL="0" indent="0" algn="just">
-              <a:lnSpc>
-                <a:spcPct val="150000"/>
-              </a:lnSpc>
-              <a:buNone/>
-            </a:pPr>
-            <a:r>
-              <a:rPr lang="en-GB" sz="1800" dirty="0">
+              <a:t>                           Encapsulation</a:t>
+            </a:r>
+            <a:endParaRPr lang="en-IN" dirty="0"/>
+          </a:p>
+        </p:txBody>
+      </p:sp>
+      <p:sp>
+        <p:nvSpPr>
+          <p:cNvPr id="3" name="Content Placeholder 2">
+            <a:extLst>
+              <a:ext uri="{FF2B5EF4-FFF2-40B4-BE49-F238E27FC236}">
+                <a16:creationId xmlns:a16="http://schemas.microsoft.com/office/drawing/2014/main" id="{3592FE4C-FD3C-3E39-7DE1-EC53D146CA8E}"/>
+              </a:ext>
+            </a:extLst>
+          </p:cNvPr>
+          <p:cNvSpPr>
+            <a:spLocks noGrp="1"/>
+          </p:cNvSpPr>
+          <p:nvPr>
+            <p:ph idx="1"/>
+          </p:nvPr>
+        </p:nvSpPr>
+        <p:spPr>
+          <a:xfrm>
+            <a:off x="355600" y="2015732"/>
+            <a:ext cx="7924799" cy="3450613"/>
+          </a:xfrm>
+        </p:spPr>
+        <p:txBody>
+          <a:bodyPr/>
+          <a:lstStyle/>
+          <a:p>
+            <a:r>
+              <a:rPr lang="en-GB" sz="2000" i="0" dirty="0">
+                <a:effectLst/>
                 <a:latin typeface="Times New Roman" panose="02020603050405020304" pitchFamily="18" charset="0"/>
                 <a:cs typeface="Times New Roman" panose="02020603050405020304" pitchFamily="18" charset="0"/>
               </a:rPr>
-              <a:t>Car-  This is </a:t>
-            </a:r>
-            <a:r>
-              <a:rPr lang="en-GB" sz="1800" b="1" dirty="0">
-                <a:latin typeface="Times New Roman" panose="02020603050405020304" pitchFamily="18" charset="0"/>
-                <a:cs typeface="Times New Roman" panose="02020603050405020304" pitchFamily="18" charset="0"/>
-              </a:rPr>
-              <a:t>class</a:t>
-            </a:r>
-          </a:p>
-          <a:p>
-            <a:pPr marL="0" indent="0" algn="just">
-              <a:lnSpc>
-                <a:spcPct val="150000"/>
-              </a:lnSpc>
-              <a:buNone/>
-            </a:pPr>
-            <a:r>
-              <a:rPr lang="en-GB" sz="1800" b="1" dirty="0">
-                <a:latin typeface="Times New Roman" panose="02020603050405020304" pitchFamily="18" charset="0"/>
-                <a:cs typeface="Times New Roman" panose="02020603050405020304" pitchFamily="18" charset="0"/>
-              </a:rPr>
-              <a:t>Objec</a:t>
-            </a:r>
-            <a:r>
-              <a:rPr lang="en-GB" sz="1800" dirty="0">
-                <a:latin typeface="Times New Roman" panose="02020603050405020304" pitchFamily="18" charset="0"/>
-                <a:cs typeface="Times New Roman" panose="02020603050405020304" pitchFamily="18" charset="0"/>
-              </a:rPr>
-              <a:t>t is :-</a:t>
-            </a:r>
-            <a:endParaRPr lang="en-IN" sz="1800" dirty="0">
-              <a:latin typeface="Times New Roman" panose="02020603050405020304" pitchFamily="18" charset="0"/>
-              <a:cs typeface="Times New Roman" panose="02020603050405020304" pitchFamily="18" charset="0"/>
-            </a:endParaRPr>
-          </a:p>
-          <a:p>
-            <a:pPr marL="0" indent="0" algn="just">
-              <a:lnSpc>
-                <a:spcPct val="150000"/>
-              </a:lnSpc>
-              <a:buNone/>
-            </a:pPr>
-            <a:r>
-              <a:rPr lang="en-GB" sz="1800" dirty="0">
-                <a:latin typeface="Times New Roman" panose="02020603050405020304" pitchFamily="18" charset="0"/>
-                <a:cs typeface="Times New Roman" panose="02020603050405020304" pitchFamily="18" charset="0"/>
-              </a:rPr>
-              <a:t>Brand name </a:t>
-            </a:r>
-          </a:p>
-          <a:p>
-            <a:pPr marL="0" indent="0" algn="just">
-              <a:lnSpc>
-                <a:spcPct val="150000"/>
-              </a:lnSpc>
-              <a:buNone/>
-            </a:pPr>
-            <a:r>
-              <a:rPr lang="en-GB" sz="1800" dirty="0">
-                <a:latin typeface="Times New Roman" panose="02020603050405020304" pitchFamily="18" charset="0"/>
-                <a:cs typeface="Times New Roman" panose="02020603050405020304" pitchFamily="18" charset="0"/>
-              </a:rPr>
-              <a:t>Model</a:t>
-            </a:r>
-          </a:p>
-          <a:p>
-            <a:pPr marL="0" indent="0" algn="just">
-              <a:lnSpc>
-                <a:spcPct val="150000"/>
-              </a:lnSpc>
-              <a:buNone/>
-            </a:pPr>
-            <a:r>
-              <a:rPr lang="en-GB" sz="1800" dirty="0">
-                <a:latin typeface="Times New Roman" panose="02020603050405020304" pitchFamily="18" charset="0"/>
-                <a:cs typeface="Times New Roman" panose="02020603050405020304" pitchFamily="18" charset="0"/>
-              </a:rPr>
-              <a:t>Name</a:t>
-            </a:r>
-          </a:p>
-          <a:p>
-            <a:pPr marL="0" indent="0" algn="just">
-              <a:lnSpc>
-                <a:spcPct val="150000"/>
-              </a:lnSpc>
-              <a:buNone/>
-            </a:pPr>
-            <a:r>
-              <a:rPr lang="en-GB" sz="1800" dirty="0">
-                <a:latin typeface="Times New Roman" panose="02020603050405020304" pitchFamily="18" charset="0"/>
-                <a:cs typeface="Times New Roman" panose="02020603050405020304" pitchFamily="18" charset="0"/>
-              </a:rPr>
-              <a:t>Car number</a:t>
-            </a:r>
-          </a:p>
-          <a:p>
-            <a:pPr marL="0" indent="0" algn="just">
-              <a:lnSpc>
-                <a:spcPct val="150000"/>
-              </a:lnSpc>
-              <a:buNone/>
-            </a:pPr>
-            <a:r>
-              <a:rPr lang="en-GB" sz="1800" b="1" dirty="0">
-                <a:latin typeface="Times New Roman" panose="02020603050405020304" pitchFamily="18" charset="0"/>
-                <a:cs typeface="Times New Roman" panose="02020603050405020304" pitchFamily="18" charset="0"/>
-              </a:rPr>
-              <a:t>Behaviour </a:t>
-            </a:r>
-            <a:r>
-              <a:rPr lang="en-GB" sz="1800" dirty="0">
-                <a:latin typeface="Times New Roman" panose="02020603050405020304" pitchFamily="18" charset="0"/>
-                <a:cs typeface="Times New Roman" panose="02020603050405020304" pitchFamily="18" charset="0"/>
-              </a:rPr>
-              <a:t>is:-</a:t>
-            </a:r>
-          </a:p>
-          <a:p>
-            <a:pPr marL="0" indent="0" algn="just">
-              <a:lnSpc>
-                <a:spcPct val="150000"/>
-              </a:lnSpc>
-              <a:buNone/>
-            </a:pPr>
-            <a:r>
-              <a:rPr lang="en-GB" sz="1800" dirty="0">
-                <a:latin typeface="Times New Roman" panose="02020603050405020304" pitchFamily="18" charset="0"/>
-                <a:cs typeface="Times New Roman" panose="02020603050405020304" pitchFamily="18" charset="0"/>
-              </a:rPr>
-              <a:t>Mileage()</a:t>
-            </a:r>
-          </a:p>
-          <a:p>
-            <a:pPr marL="0" indent="0" algn="just">
-              <a:lnSpc>
-                <a:spcPct val="150000"/>
-              </a:lnSpc>
-              <a:buNone/>
-            </a:pPr>
-            <a:r>
-              <a:rPr lang="en-GB" sz="1800" dirty="0">
-                <a:latin typeface="Times New Roman" panose="02020603050405020304" pitchFamily="18" charset="0"/>
-                <a:cs typeface="Times New Roman" panose="02020603050405020304" pitchFamily="18" charset="0"/>
-              </a:rPr>
-              <a:t>Comfort()</a:t>
-            </a:r>
-          </a:p>
-          <a:p>
-            <a:pPr marL="0" indent="0" algn="just">
-              <a:lnSpc>
-                <a:spcPct val="150000"/>
-              </a:lnSpc>
-              <a:buNone/>
-            </a:pPr>
-            <a:r>
-              <a:rPr lang="en-GB" sz="1800" dirty="0">
-                <a:latin typeface="Times New Roman" panose="02020603050405020304" pitchFamily="18" charset="0"/>
-                <a:cs typeface="Times New Roman" panose="02020603050405020304" pitchFamily="18" charset="0"/>
-              </a:rPr>
-              <a:t>Wheel drive ().</a:t>
-            </a:r>
-          </a:p>
-          <a:p>
-            <a:pPr marL="0" indent="0">
-              <a:buNone/>
-            </a:pPr>
-            <a:endParaRPr lang="en-GB" dirty="0"/>
+              <a:t>Encapsulation in Java is the process by which data (variables) and the code that acts upon them (methods) are integrated as a single unit.</a:t>
+            </a:r>
+          </a:p>
+          <a:p>
+            <a:r>
+              <a:rPr lang="en-IN" dirty="0"/>
+              <a:t>It is not accessible to out side of class and only these functions which is wrapped in class access it.</a:t>
+            </a:r>
+          </a:p>
+          <a:p>
+            <a:r>
+              <a:rPr lang="en-IN" dirty="0"/>
+              <a:t>The insulation of the data from the direct access by the program is called data hiding</a:t>
+            </a:r>
           </a:p>
         </p:txBody>
       </p:sp>
       <p:pic>
         <p:nvPicPr>
-          <p:cNvPr id="3" name="Picture 2">
+          <p:cNvPr id="4" name="Picture 3">
             <a:extLst>
               <a:ext uri="{FF2B5EF4-FFF2-40B4-BE49-F238E27FC236}">
-                <a16:creationId xmlns:a16="http://schemas.microsoft.com/office/drawing/2014/main" id="{26BC271B-E234-369E-A21A-6BC0106ADEFD}"/>
+                <a16:creationId xmlns:a16="http://schemas.microsoft.com/office/drawing/2014/main" id="{422C6DBB-B796-AC75-C938-08FF7B3121ED}"/>
               </a:ext>
             </a:extLst>
           </p:cNvPr>
@@ -7252,8 +6540,8 @@
         </p:blipFill>
         <p:spPr>
           <a:xfrm>
-            <a:off x="5432611" y="1109475"/>
-            <a:ext cx="5337944" cy="4508407"/>
+            <a:off x="8630023" y="2686629"/>
+            <a:ext cx="3092823" cy="2533977"/>
           </a:xfrm>
           <a:prstGeom prst="rect">
             <a:avLst/>
@@ -7263,20 +6551,20 @@
     </p:spTree>
     <p:extLst>
       <p:ext uri="{BB962C8B-B14F-4D97-AF65-F5344CB8AC3E}">
-        <p14:creationId xmlns:p14="http://schemas.microsoft.com/office/powerpoint/2010/main" val="3705948976"/>
+        <p14:creationId xmlns:p14="http://schemas.microsoft.com/office/powerpoint/2010/main" val="2004483960"/>
       </p:ext>
     </p:extLst>
   </p:cSld>
   <p:clrMapOvr>
     <a:masterClrMapping/>
   </p:clrMapOvr>
-  <mc:AlternateContent xmlns:mc="http://schemas.openxmlformats.org/markup-compatibility/2006" xmlns:p15="http://schemas.microsoft.com/office/powerpoint/2012/main">
-    <mc:Choice Requires="p15">
+  <mc:AlternateContent xmlns:mc="http://schemas.openxmlformats.org/markup-compatibility/2006">
+    <mc:Choice xmlns:p15="http://schemas.microsoft.com/office/powerpoint/2012/main" Requires="p15">
       <p:transition xmlns:p14="http://schemas.microsoft.com/office/powerpoint/2010/main" spd="slow" p14:dur="1250">
-        <p15:prstTrans prst="airplane"/>
+        <p15:prstTrans prst="pageCurlDouble"/>
       </p:transition>
     </mc:Choice>
-    <mc:Fallback xmlns="">
+    <mc:Fallback>
       <p:transition spd="slow">
         <p:fade/>
       </p:transition>
@@ -7307,7 +6595,7 @@
           <p:cNvPr id="2" name="Title 1">
             <a:extLst>
               <a:ext uri="{FF2B5EF4-FFF2-40B4-BE49-F238E27FC236}">
-                <a16:creationId xmlns:a16="http://schemas.microsoft.com/office/drawing/2014/main" id="{947EC456-24AC-0AB3-5736-835423D9B616}"/>
+                <a16:creationId xmlns:a16="http://schemas.microsoft.com/office/drawing/2014/main" id="{716054F1-0222-BE93-698B-18D031A9029E}"/>
               </a:ext>
             </a:extLst>
           </p:cNvPr>
@@ -7320,7 +6608,7 @@
         </p:nvSpPr>
         <p:spPr>
           <a:xfrm>
-            <a:off x="1451578" y="1391655"/>
+            <a:off x="1573499" y="1271879"/>
             <a:ext cx="9603275" cy="1049235"/>
           </a:xfrm>
         </p:spPr>
@@ -7329,12 +6617,11 @@
           <a:lstStyle/>
           <a:p>
             <a:r>
-              <a:rPr lang="en-GB" b="1" i="0" dirty="0">
-                <a:effectLst/>
+              <a:rPr lang="en-GB" b="1" dirty="0">
                 <a:latin typeface="Times New Roman" panose="02020603050405020304" pitchFamily="18" charset="0"/>
                 <a:cs typeface="Times New Roman" panose="02020603050405020304" pitchFamily="18" charset="0"/>
               </a:rPr>
-              <a:t>                           Encapsulation</a:t>
+              <a:t>Four types of Java access modifiers</a:t>
             </a:r>
             <a:endParaRPr lang="en-IN" dirty="0"/>
           </a:p>
@@ -7345,7 +6632,7 @@
           <p:cNvPr id="3" name="Content Placeholder 2">
             <a:extLst>
               <a:ext uri="{FF2B5EF4-FFF2-40B4-BE49-F238E27FC236}">
-                <a16:creationId xmlns:a16="http://schemas.microsoft.com/office/drawing/2014/main" id="{3592FE4C-FD3C-3E39-7DE1-EC53D146CA8E}"/>
+                <a16:creationId xmlns:a16="http://schemas.microsoft.com/office/drawing/2014/main" id="{2E7D70DB-3D39-5A15-6FDA-31E4D754C9F7}"/>
               </a:ext>
             </a:extLst>
           </p:cNvPr>
@@ -7358,34 +6645,99 @@
         </p:nvSpPr>
         <p:spPr>
           <a:xfrm>
-            <a:off x="355600" y="2015732"/>
-            <a:ext cx="7924799" cy="3450613"/>
-          </a:xfrm>
-        </p:spPr>
-        <p:txBody>
-          <a:bodyPr/>
-          <a:lstStyle/>
-          <a:p>
-            <a:r>
-              <a:rPr lang="en-GB" sz="2000" i="0" dirty="0">
-                <a:effectLst/>
+            <a:off x="121921" y="1869440"/>
+            <a:ext cx="7112000" cy="4226560"/>
+          </a:xfrm>
+        </p:spPr>
+        <p:txBody>
+          <a:bodyPr>
+            <a:normAutofit fontScale="85000" lnSpcReduction="20000"/>
+          </a:bodyPr>
+          <a:lstStyle/>
+          <a:p>
+            <a:pPr>
+              <a:lnSpc>
+                <a:spcPct val="150000"/>
+              </a:lnSpc>
+            </a:pPr>
+            <a:r>
+              <a:rPr lang="en-GB" sz="2000" b="1" dirty="0">
                 <a:latin typeface="Times New Roman" panose="02020603050405020304" pitchFamily="18" charset="0"/>
                 <a:cs typeface="Times New Roman" panose="02020603050405020304" pitchFamily="18" charset="0"/>
               </a:rPr>
-              <a:t>Encapsulation in Java is the process by which data (variables) and the code that acts upon them (methods) are integrated as a single unit.</a:t>
-            </a:r>
-          </a:p>
-          <a:p>
-            <a:r>
-              <a:rPr lang="en-IN" dirty="0"/>
-              <a:t>It is not accessible to out side of class and only these functions which is wrapped in class access it.</a:t>
-            </a:r>
-          </a:p>
-          <a:p>
-            <a:r>
-              <a:rPr lang="en-IN" dirty="0"/>
-              <a:t>The insulation of the data from the direct access by the program is called data hiding</a:t>
-            </a:r>
+              <a:t>Private: </a:t>
+            </a:r>
+            <a:r>
+              <a:rPr lang="en-GB" sz="2000" dirty="0">
+                <a:latin typeface="Times New Roman" panose="02020603050405020304" pitchFamily="18" charset="0"/>
+                <a:cs typeface="Times New Roman" panose="02020603050405020304" pitchFamily="18" charset="0"/>
+              </a:rPr>
+              <a:t>The access level of a private modifier is only within the class. It cannot be accessed from outside the class.</a:t>
+            </a:r>
+          </a:p>
+          <a:p>
+            <a:pPr>
+              <a:lnSpc>
+                <a:spcPct val="150000"/>
+              </a:lnSpc>
+            </a:pPr>
+            <a:r>
+              <a:rPr lang="en-GB" sz="2000" b="1" dirty="0">
+                <a:latin typeface="Times New Roman" panose="02020603050405020304" pitchFamily="18" charset="0"/>
+                <a:cs typeface="Times New Roman" panose="02020603050405020304" pitchFamily="18" charset="0"/>
+              </a:rPr>
+              <a:t>Default: </a:t>
+            </a:r>
+            <a:r>
+              <a:rPr lang="en-GB" sz="2000" dirty="0">
+                <a:latin typeface="Times New Roman" panose="02020603050405020304" pitchFamily="18" charset="0"/>
+                <a:cs typeface="Times New Roman" panose="02020603050405020304" pitchFamily="18" charset="0"/>
+              </a:rPr>
+              <a:t>The access level of a default modifier is only within the package. It cannot be accessed from outside the package. If you do not specify any access level, it will be the default.</a:t>
+            </a:r>
+          </a:p>
+          <a:p>
+            <a:pPr>
+              <a:lnSpc>
+                <a:spcPct val="150000"/>
+              </a:lnSpc>
+            </a:pPr>
+            <a:r>
+              <a:rPr lang="en-GB" sz="2000" b="1" dirty="0">
+                <a:latin typeface="Times New Roman" panose="02020603050405020304" pitchFamily="18" charset="0"/>
+                <a:cs typeface="Times New Roman" panose="02020603050405020304" pitchFamily="18" charset="0"/>
+              </a:rPr>
+              <a:t>Protected: </a:t>
+            </a:r>
+            <a:r>
+              <a:rPr lang="en-GB" sz="2000" dirty="0">
+                <a:latin typeface="Times New Roman" panose="02020603050405020304" pitchFamily="18" charset="0"/>
+                <a:cs typeface="Times New Roman" panose="02020603050405020304" pitchFamily="18" charset="0"/>
+              </a:rPr>
+              <a:t>The access level of a protected modifier is within the package and outside the package through child class. If you do not make the child class, it cannot be accessed from outside the package.</a:t>
+            </a:r>
+          </a:p>
+          <a:p>
+            <a:pPr>
+              <a:lnSpc>
+                <a:spcPct val="150000"/>
+              </a:lnSpc>
+            </a:pPr>
+            <a:r>
+              <a:rPr lang="en-GB" sz="2000" b="1" dirty="0">
+                <a:latin typeface="Times New Roman" panose="02020603050405020304" pitchFamily="18" charset="0"/>
+                <a:cs typeface="Times New Roman" panose="02020603050405020304" pitchFamily="18" charset="0"/>
+              </a:rPr>
+              <a:t>Public: </a:t>
+            </a:r>
+            <a:r>
+              <a:rPr lang="en-GB" sz="2000" dirty="0">
+                <a:latin typeface="Times New Roman" panose="02020603050405020304" pitchFamily="18" charset="0"/>
+                <a:cs typeface="Times New Roman" panose="02020603050405020304" pitchFamily="18" charset="0"/>
+              </a:rPr>
+              <a:t>The access level of a public modifier is everywhere. It can be accessed from within the class, outside the class, within the package and outside the package</a:t>
+            </a:r>
+            <a:endParaRPr lang="en-IN" dirty="0"/>
           </a:p>
         </p:txBody>
       </p:sp>
@@ -7394,7 +6746,7 @@
           <p:cNvPr id="4" name="Picture 3">
             <a:extLst>
               <a:ext uri="{FF2B5EF4-FFF2-40B4-BE49-F238E27FC236}">
-                <a16:creationId xmlns:a16="http://schemas.microsoft.com/office/drawing/2014/main" id="{422C6DBB-B796-AC75-C938-08FF7B3121ED}"/>
+                <a16:creationId xmlns:a16="http://schemas.microsoft.com/office/drawing/2014/main" id="{25A78E4F-D5EA-569E-7954-0CBC01861B59}"/>
               </a:ext>
             </a:extLst>
           </p:cNvPr>
@@ -7411,8 +6763,8 @@
         </p:blipFill>
         <p:spPr>
           <a:xfrm>
-            <a:off x="8569063" y="2440890"/>
-            <a:ext cx="3092823" cy="2533977"/>
+            <a:off x="7183645" y="2062479"/>
+            <a:ext cx="4743224" cy="2474407"/>
           </a:xfrm>
           <a:prstGeom prst="rect">
             <a:avLst/>
@@ -7422,20 +6774,20 @@
     </p:spTree>
     <p:extLst>
       <p:ext uri="{BB962C8B-B14F-4D97-AF65-F5344CB8AC3E}">
-        <p14:creationId xmlns:p14="http://schemas.microsoft.com/office/powerpoint/2010/main" val="2004483960"/>
+        <p14:creationId xmlns:p14="http://schemas.microsoft.com/office/powerpoint/2010/main" val="1146652917"/>
       </p:ext>
     </p:extLst>
   </p:cSld>
   <p:clrMapOvr>
     <a:masterClrMapping/>
   </p:clrMapOvr>
-  <mc:AlternateContent xmlns:mc="http://schemas.openxmlformats.org/markup-compatibility/2006" xmlns:p15="http://schemas.microsoft.com/office/powerpoint/2012/main">
-    <mc:Choice Requires="p15">
-      <p:transition xmlns:p14="http://schemas.microsoft.com/office/powerpoint/2010/main" spd="slow" p14:dur="1250">
-        <p15:prstTrans prst="pageCurlDouble"/>
+  <mc:AlternateContent xmlns:mc="http://schemas.openxmlformats.org/markup-compatibility/2006">
+    <mc:Choice xmlns:p14="http://schemas.microsoft.com/office/powerpoint/2010/main" Requires="p14">
+      <p:transition spd="slow" p14:dur="1600">
+        <p14:gallery dir="l"/>
       </p:transition>
     </mc:Choice>
-    <mc:Fallback xmlns="">
+    <mc:Fallback>
       <p:transition spd="slow">
         <p:fade/>
       </p:transition>
@@ -7466,7 +6818,7 @@
           <p:cNvPr id="2" name="Title 1">
             <a:extLst>
               <a:ext uri="{FF2B5EF4-FFF2-40B4-BE49-F238E27FC236}">
-                <a16:creationId xmlns:a16="http://schemas.microsoft.com/office/drawing/2014/main" id="{716054F1-0222-BE93-698B-18D031A9029E}"/>
+                <a16:creationId xmlns:a16="http://schemas.microsoft.com/office/drawing/2014/main" id="{35E14BE1-E8DE-A43D-A8E2-224325AB8DBA}"/>
               </a:ext>
             </a:extLst>
           </p:cNvPr>
@@ -7479,7 +6831,7 @@
         </p:nvSpPr>
         <p:spPr>
           <a:xfrm>
-            <a:off x="1573499" y="1271879"/>
+            <a:off x="3829019" y="1261719"/>
             <a:ext cx="9603275" cy="1049235"/>
           </a:xfrm>
         </p:spPr>
@@ -7488,13 +6840,9 @@
           <a:lstStyle/>
           <a:p>
             <a:r>
-              <a:rPr lang="en-GB" b="1" dirty="0">
-                <a:latin typeface="Times New Roman" panose="02020603050405020304" pitchFamily="18" charset="0"/>
-                <a:cs typeface="Times New Roman" panose="02020603050405020304" pitchFamily="18" charset="0"/>
-              </a:rPr>
-              <a:t>Four types of Java access modifiers</a:t>
-            </a:r>
-            <a:endParaRPr lang="en-IN" dirty="0"/>
+              <a:rPr lang="en-IN" dirty="0"/>
+              <a:t> Data abstraction</a:t>
+            </a:r>
           </a:p>
         </p:txBody>
       </p:sp>
@@ -7503,7 +6851,7 @@
           <p:cNvPr id="3" name="Content Placeholder 2">
             <a:extLst>
               <a:ext uri="{FF2B5EF4-FFF2-40B4-BE49-F238E27FC236}">
-                <a16:creationId xmlns:a16="http://schemas.microsoft.com/office/drawing/2014/main" id="{2E7D70DB-3D39-5A15-6FDA-31E4D754C9F7}"/>
+                <a16:creationId xmlns:a16="http://schemas.microsoft.com/office/drawing/2014/main" id="{C962625E-CB28-3BE0-A64B-8992261BD624}"/>
               </a:ext>
             </a:extLst>
           </p:cNvPr>
@@ -7516,108 +6864,48 @@
         </p:nvSpPr>
         <p:spPr>
           <a:xfrm>
-            <a:off x="121921" y="1869440"/>
-            <a:ext cx="7112000" cy="4226560"/>
-          </a:xfrm>
-        </p:spPr>
-        <p:txBody>
-          <a:bodyPr>
-            <a:normAutofit fontScale="85000" lnSpcReduction="20000"/>
-          </a:bodyPr>
-          <a:lstStyle/>
-          <a:p>
-            <a:pPr>
-              <a:lnSpc>
-                <a:spcPct val="150000"/>
-              </a:lnSpc>
+            <a:off x="304800" y="2015732"/>
+            <a:ext cx="12110719" cy="3450613"/>
+          </a:xfrm>
+        </p:spPr>
+        <p:txBody>
+          <a:bodyPr/>
+          <a:lstStyle/>
+          <a:p>
+            <a:r>
+              <a:rPr lang="en-IN" dirty="0"/>
+              <a:t>The technique of creating new data type that are well suited to an application is known as data abstraction</a:t>
+            </a:r>
+          </a:p>
+          <a:p>
+            <a:r>
+              <a:rPr lang="en-IN" dirty="0"/>
+              <a:t>It means we can combine data structure &amp; operation on the data structure together into </a:t>
+            </a:r>
+          </a:p>
+          <a:p>
+            <a:pPr marL="0" indent="0">
+              <a:buNone/>
             </a:pPr>
             <a:r>
-              <a:rPr lang="en-GB" sz="2000" b="1" dirty="0">
-                <a:latin typeface="Times New Roman" panose="02020603050405020304" pitchFamily="18" charset="0"/>
-                <a:cs typeface="Times New Roman" panose="02020603050405020304" pitchFamily="18" charset="0"/>
-              </a:rPr>
-              <a:t>Private: </a:t>
-            </a:r>
-            <a:r>
-              <a:rPr lang="en-GB" sz="2000" dirty="0">
-                <a:latin typeface="Times New Roman" panose="02020603050405020304" pitchFamily="18" charset="0"/>
-                <a:cs typeface="Times New Roman" panose="02020603050405020304" pitchFamily="18" charset="0"/>
-              </a:rPr>
-              <a:t>The access level of a private modifier is only within the class. It cannot be accessed from outside the class.</a:t>
-            </a:r>
-          </a:p>
-          <a:p>
-            <a:pPr>
-              <a:lnSpc>
-                <a:spcPct val="150000"/>
-              </a:lnSpc>
+              <a:rPr lang="en-IN" dirty="0"/>
+              <a:t>     a new abstraction data type  </a:t>
+            </a:r>
+          </a:p>
+          <a:p>
+            <a:pPr marL="0" indent="0">
+              <a:buNone/>
             </a:pPr>
-            <a:r>
-              <a:rPr lang="en-GB" sz="2000" b="1" dirty="0">
-                <a:latin typeface="Times New Roman" panose="02020603050405020304" pitchFamily="18" charset="0"/>
-                <a:cs typeface="Times New Roman" panose="02020603050405020304" pitchFamily="18" charset="0"/>
-              </a:rPr>
-              <a:t>Default: </a:t>
-            </a:r>
-            <a:r>
-              <a:rPr lang="en-GB" sz="2000" dirty="0">
-                <a:latin typeface="Times New Roman" panose="02020603050405020304" pitchFamily="18" charset="0"/>
-                <a:cs typeface="Times New Roman" panose="02020603050405020304" pitchFamily="18" charset="0"/>
-              </a:rPr>
-              <a:t>The access level of a default modifier is only within the package. It cannot be accessed from outside the package. If you do not specify any access level, it will be the default.</a:t>
-            </a:r>
-          </a:p>
-          <a:p>
-            <a:pPr>
-              <a:lnSpc>
-                <a:spcPct val="150000"/>
-              </a:lnSpc>
-            </a:pPr>
-            <a:r>
-              <a:rPr lang="en-GB" sz="2000" b="1" dirty="0">
-                <a:latin typeface="Times New Roman" panose="02020603050405020304" pitchFamily="18" charset="0"/>
-                <a:cs typeface="Times New Roman" panose="02020603050405020304" pitchFamily="18" charset="0"/>
-              </a:rPr>
-              <a:t>Protected: </a:t>
-            </a:r>
-            <a:r>
-              <a:rPr lang="en-GB" sz="2000" dirty="0">
-                <a:latin typeface="Times New Roman" panose="02020603050405020304" pitchFamily="18" charset="0"/>
-                <a:cs typeface="Times New Roman" panose="02020603050405020304" pitchFamily="18" charset="0"/>
-              </a:rPr>
-              <a:t>The access level of a protected modifier is within the package and outside the package through child class. If you do not make the child class, it cannot be accessed from outside the package.</a:t>
-            </a:r>
-          </a:p>
-          <a:p>
-            <a:pPr>
-              <a:lnSpc>
-                <a:spcPct val="150000"/>
-              </a:lnSpc>
-            </a:pPr>
-            <a:r>
-              <a:rPr lang="en-GB" sz="2000" b="1" dirty="0">
-                <a:latin typeface="Times New Roman" panose="02020603050405020304" pitchFamily="18" charset="0"/>
-                <a:cs typeface="Times New Roman" panose="02020603050405020304" pitchFamily="18" charset="0"/>
-              </a:rPr>
-              <a:t>Public: </a:t>
-            </a:r>
-            <a:r>
-              <a:rPr lang="en-GB" sz="2000" dirty="0">
-                <a:latin typeface="Times New Roman" panose="02020603050405020304" pitchFamily="18" charset="0"/>
-                <a:cs typeface="Times New Roman" panose="02020603050405020304" pitchFamily="18" charset="0"/>
-              </a:rPr>
-              <a:t>The access level of a public modifier is everywhere. It can be accessed from within the class, outside the class, within the package and outside the package</a:t>
-            </a:r>
             <a:endParaRPr lang="en-IN" dirty="0"/>
           </a:p>
         </p:txBody>
       </p:sp>
       <p:pic>
         <p:nvPicPr>
-          <p:cNvPr id="4" name="Picture 3">
+          <p:cNvPr id="5" name="Picture 4">
             <a:extLst>
               <a:ext uri="{FF2B5EF4-FFF2-40B4-BE49-F238E27FC236}">
-                <a16:creationId xmlns:a16="http://schemas.microsoft.com/office/drawing/2014/main" id="{25A78E4F-D5EA-569E-7954-0CBC01861B59}"/>
+                <a16:creationId xmlns:a16="http://schemas.microsoft.com/office/drawing/2014/main" id="{15061959-3004-F5C3-31AC-19F1608265B7}"/>
               </a:ext>
             </a:extLst>
           </p:cNvPr>
@@ -7634,8 +6922,8 @@
         </p:blipFill>
         <p:spPr>
           <a:xfrm>
-            <a:off x="7183645" y="2062479"/>
-            <a:ext cx="4743224" cy="2474407"/>
+            <a:off x="5589280" y="3254755"/>
+            <a:ext cx="4889751" cy="2584583"/>
           </a:xfrm>
           <a:prstGeom prst="rect">
             <a:avLst/>
@@ -7645,22 +6933,22 @@
     </p:spTree>
     <p:extLst>
       <p:ext uri="{BB962C8B-B14F-4D97-AF65-F5344CB8AC3E}">
-        <p14:creationId xmlns:p14="http://schemas.microsoft.com/office/powerpoint/2010/main" val="1146652917"/>
+        <p14:creationId xmlns:p14="http://schemas.microsoft.com/office/powerpoint/2010/main" val="3849842838"/>
       </p:ext>
     </p:extLst>
   </p:cSld>
   <p:clrMapOvr>
     <a:masterClrMapping/>
   </p:clrMapOvr>
-  <mc:AlternateContent xmlns:mc="http://schemas.openxmlformats.org/markup-compatibility/2006" xmlns:p14="http://schemas.microsoft.com/office/powerpoint/2010/main">
-    <mc:Choice Requires="p14">
+  <mc:AlternateContent xmlns:mc="http://schemas.openxmlformats.org/markup-compatibility/2006">
+    <mc:Choice xmlns:p14="http://schemas.microsoft.com/office/powerpoint/2010/main" Requires="p14">
       <p:transition spd="slow" p14:dur="1600">
-        <p14:gallery dir="l"/>
+        <p:blinds dir="vert"/>
       </p:transition>
     </mc:Choice>
-    <mc:Fallback xmlns="">
+    <mc:Fallback>
       <p:transition spd="slow">
-        <p:fade/>
+        <p:blinds dir="vert"/>
       </p:transition>
     </mc:Fallback>
   </mc:AlternateContent>
@@ -7686,10 +6974,10 @@
       </p:grpSpPr>
       <p:sp>
         <p:nvSpPr>
-          <p:cNvPr id="2" name="Title 1">
+          <p:cNvPr id="3" name="Content Placeholder 2">
             <a:extLst>
               <a:ext uri="{FF2B5EF4-FFF2-40B4-BE49-F238E27FC236}">
-                <a16:creationId xmlns:a16="http://schemas.microsoft.com/office/drawing/2014/main" id="{35E14BE1-E8DE-A43D-A8E2-224325AB8DBA}"/>
+                <a16:creationId xmlns:a16="http://schemas.microsoft.com/office/drawing/2014/main" id="{6B33ED1D-A3A5-9CAA-EE54-F5EF60D209B9}"/>
               </a:ext>
             </a:extLst>
           </p:cNvPr>
@@ -7697,86 +6985,38 @@
             <a:spLocks noGrp="1"/>
           </p:cNvSpPr>
           <p:nvPr>
-            <p:ph type="title"/>
-          </p:nvPr>
-        </p:nvSpPr>
-        <p:spPr>
-          <a:xfrm>
-            <a:off x="3829019" y="1261719"/>
-            <a:ext cx="9603275" cy="1049235"/>
+            <p:ph idx="1"/>
+          </p:nvPr>
+        </p:nvSpPr>
+        <p:spPr>
+          <a:xfrm>
+            <a:off x="1122293" y="792480"/>
+            <a:ext cx="9947414" cy="4450345"/>
           </a:xfrm>
         </p:spPr>
         <p:txBody>
           <a:bodyPr/>
           <a:lstStyle/>
           <a:p>
-            <a:r>
-              <a:rPr lang="en-IN" dirty="0"/>
-              <a:t> Data abstraction</a:t>
-            </a:r>
-          </a:p>
-        </p:txBody>
-      </p:sp>
-      <p:sp>
-        <p:nvSpPr>
-          <p:cNvPr id="3" name="Content Placeholder 2">
+            <a:endParaRPr lang="en-IN" dirty="0"/>
+          </a:p>
+          <a:p>
+            <a:pPr marL="0" indent="0">
+              <a:buNone/>
+            </a:pPr>
+            <a:r>
+              <a:rPr lang="en-IN" sz="2800" dirty="0"/>
+              <a:t>                              ABSTRACTION</a:t>
+            </a:r>
+          </a:p>
+        </p:txBody>
+      </p:sp>
+      <p:pic>
+        <p:nvPicPr>
+          <p:cNvPr id="4" name="Picture 3">
             <a:extLst>
               <a:ext uri="{FF2B5EF4-FFF2-40B4-BE49-F238E27FC236}">
-                <a16:creationId xmlns:a16="http://schemas.microsoft.com/office/drawing/2014/main" id="{C962625E-CB28-3BE0-A64B-8992261BD624}"/>
-              </a:ext>
-            </a:extLst>
-          </p:cNvPr>
-          <p:cNvSpPr>
-            <a:spLocks noGrp="1"/>
-          </p:cNvSpPr>
-          <p:nvPr>
-            <p:ph idx="1"/>
-          </p:nvPr>
-        </p:nvSpPr>
-        <p:spPr>
-          <a:xfrm>
-            <a:off x="304800" y="2015732"/>
-            <a:ext cx="12110719" cy="3450613"/>
-          </a:xfrm>
-        </p:spPr>
-        <p:txBody>
-          <a:bodyPr/>
-          <a:lstStyle/>
-          <a:p>
-            <a:r>
-              <a:rPr lang="en-IN" dirty="0"/>
-              <a:t>The technique of creating new data type that are well suited to an application is known as data abstraction</a:t>
-            </a:r>
-          </a:p>
-          <a:p>
-            <a:r>
-              <a:rPr lang="en-IN" dirty="0"/>
-              <a:t>It means we can combine data structure &amp; operation on the data structure together into </a:t>
-            </a:r>
-          </a:p>
-          <a:p>
-            <a:pPr marL="0" indent="0">
-              <a:buNone/>
-            </a:pPr>
-            <a:r>
-              <a:rPr lang="en-IN" dirty="0"/>
-              <a:t>     a new abstraction data type  </a:t>
-            </a:r>
-          </a:p>
-          <a:p>
-            <a:pPr marL="0" indent="0">
-              <a:buNone/>
-            </a:pPr>
-            <a:endParaRPr lang="en-IN" dirty="0"/>
-          </a:p>
-        </p:txBody>
-      </p:sp>
-      <p:pic>
-        <p:nvPicPr>
-          <p:cNvPr id="5" name="Picture 4">
-            <a:extLst>
-              <a:ext uri="{FF2B5EF4-FFF2-40B4-BE49-F238E27FC236}">
-                <a16:creationId xmlns:a16="http://schemas.microsoft.com/office/drawing/2014/main" id="{15061959-3004-F5C3-31AC-19F1608265B7}"/>
+                <a16:creationId xmlns:a16="http://schemas.microsoft.com/office/drawing/2014/main" id="{0D13BB12-0FA6-1037-1CB8-2E4CB4EFFCE7}"/>
               </a:ext>
             </a:extLst>
           </p:cNvPr>
@@ -7793,8 +7033,8 @@
         </p:blipFill>
         <p:spPr>
           <a:xfrm>
-            <a:off x="4114800" y="3064967"/>
-            <a:ext cx="6191511" cy="3272656"/>
+            <a:off x="1122293" y="386605"/>
+            <a:ext cx="9871837" cy="5773321"/>
           </a:xfrm>
           <a:prstGeom prst="rect">
             <a:avLst/>
@@ -7804,25 +7044,16 @@
     </p:spTree>
     <p:extLst>
       <p:ext uri="{BB962C8B-B14F-4D97-AF65-F5344CB8AC3E}">
-        <p14:creationId xmlns:p14="http://schemas.microsoft.com/office/powerpoint/2010/main" val="3849842838"/>
+        <p14:creationId xmlns:p14="http://schemas.microsoft.com/office/powerpoint/2010/main" val="1983288649"/>
       </p:ext>
     </p:extLst>
   </p:cSld>
   <p:clrMapOvr>
     <a:masterClrMapping/>
   </p:clrMapOvr>
-  <mc:AlternateContent xmlns:mc="http://schemas.openxmlformats.org/markup-compatibility/2006" xmlns:p14="http://schemas.microsoft.com/office/powerpoint/2010/main">
-    <mc:Choice Requires="p14">
-      <p:transition spd="slow" p14:dur="1600">
-        <p:blinds dir="vert"/>
-      </p:transition>
-    </mc:Choice>
-    <mc:Fallback xmlns="">
-      <p:transition spd="slow">
-        <p:blinds dir="vert"/>
-      </p:transition>
-    </mc:Fallback>
-  </mc:AlternateContent>
+  <p:transition spd="slow">
+    <p:cover/>
+  </p:transition>
 </p:sld>
 </file>
 
